--- a/textbook/파이썬3-1교시.pptx
+++ b/textbook/파이썬3-1교시.pptx
@@ -270,7 +270,7 @@
           <a:p>
             <a:fld id="{3575F28B-E03B-4F00-AA56-A8AF97DAF43F}" type="datetimeFigureOut">
               <a:rPr lang="ko-KR" altLang="en-US" smtClean="0"/>
-              <a:t>2021-05-04</a:t>
+              <a:t>2021-05-08</a:t>
             </a:fld>
             <a:endParaRPr lang="ko-KR" altLang="en-US"/>
           </a:p>
@@ -512,7 +512,7 @@
           <a:p>
             <a:fld id="{3575F28B-E03B-4F00-AA56-A8AF97DAF43F}" type="datetimeFigureOut">
               <a:rPr lang="ko-KR" altLang="en-US" smtClean="0"/>
-              <a:t>2021-05-04</a:t>
+              <a:t>2021-05-08</a:t>
             </a:fld>
             <a:endParaRPr lang="ko-KR" altLang="en-US"/>
           </a:p>
@@ -696,7 +696,7 @@
           <a:p>
             <a:fld id="{3575F28B-E03B-4F00-AA56-A8AF97DAF43F}" type="datetimeFigureOut">
               <a:rPr lang="ko-KR" altLang="en-US" smtClean="0"/>
-              <a:t>2021-05-04</a:t>
+              <a:t>2021-05-08</a:t>
             </a:fld>
             <a:endParaRPr lang="ko-KR" altLang="en-US"/>
           </a:p>
@@ -897,7 +897,7 @@
           <a:p>
             <a:fld id="{3575F28B-E03B-4F00-AA56-A8AF97DAF43F}" type="datetimeFigureOut">
               <a:rPr lang="ko-KR" altLang="en-US" smtClean="0"/>
-              <a:t>2021-05-04</a:t>
+              <a:t>2021-05-08</a:t>
             </a:fld>
             <a:endParaRPr lang="ko-KR" altLang="en-US"/>
           </a:p>
@@ -1176,7 +1176,7 @@
           <a:p>
             <a:fld id="{3575F28B-E03B-4F00-AA56-A8AF97DAF43F}" type="datetimeFigureOut">
               <a:rPr lang="ko-KR" altLang="en-US" smtClean="0"/>
-              <a:t>2021-05-04</a:t>
+              <a:t>2021-05-08</a:t>
             </a:fld>
             <a:endParaRPr lang="ko-KR" altLang="en-US"/>
           </a:p>
@@ -1444,7 +1444,7 @@
           <a:p>
             <a:fld id="{3575F28B-E03B-4F00-AA56-A8AF97DAF43F}" type="datetimeFigureOut">
               <a:rPr lang="ko-KR" altLang="en-US" smtClean="0"/>
-              <a:t>2021-05-04</a:t>
+              <a:t>2021-05-08</a:t>
             </a:fld>
             <a:endParaRPr lang="ko-KR" altLang="en-US"/>
           </a:p>
@@ -1891,7 +1891,7 @@
           <a:p>
             <a:fld id="{3575F28B-E03B-4F00-AA56-A8AF97DAF43F}" type="datetimeFigureOut">
               <a:rPr lang="ko-KR" altLang="en-US" smtClean="0"/>
-              <a:t>2021-05-04</a:t>
+              <a:t>2021-05-08</a:t>
             </a:fld>
             <a:endParaRPr lang="ko-KR" altLang="en-US"/>
           </a:p>
@@ -2040,7 +2040,7 @@
           <a:p>
             <a:fld id="{3575F28B-E03B-4F00-AA56-A8AF97DAF43F}" type="datetimeFigureOut">
               <a:rPr lang="ko-KR" altLang="en-US" smtClean="0"/>
-              <a:t>2021-05-04</a:t>
+              <a:t>2021-05-08</a:t>
             </a:fld>
             <a:endParaRPr lang="ko-KR" altLang="en-US"/>
           </a:p>
@@ -2135,7 +2135,7 @@
           <a:p>
             <a:fld id="{3575F28B-E03B-4F00-AA56-A8AF97DAF43F}" type="datetimeFigureOut">
               <a:rPr lang="ko-KR" altLang="en-US" smtClean="0"/>
-              <a:t>2021-05-04</a:t>
+              <a:t>2021-05-08</a:t>
             </a:fld>
             <a:endParaRPr lang="ko-KR" altLang="en-US"/>
           </a:p>
@@ -2388,7 +2388,7 @@
           <a:p>
             <a:fld id="{3575F28B-E03B-4F00-AA56-A8AF97DAF43F}" type="datetimeFigureOut">
               <a:rPr lang="ko-KR" altLang="en-US" smtClean="0"/>
-              <a:t>2021-05-04</a:t>
+              <a:t>2021-05-08</a:t>
             </a:fld>
             <a:endParaRPr lang="ko-KR" altLang="en-US"/>
           </a:p>
@@ -2833,7 +2833,7 @@
           <a:p>
             <a:fld id="{3575F28B-E03B-4F00-AA56-A8AF97DAF43F}" type="datetimeFigureOut">
               <a:rPr lang="ko-KR" altLang="en-US" smtClean="0"/>
-              <a:t>2021-05-04</a:t>
+              <a:t>2021-05-08</a:t>
             </a:fld>
             <a:endParaRPr lang="ko-KR" altLang="en-US"/>
           </a:p>
@@ -3197,7 +3197,7 @@
           <a:p>
             <a:fld id="{3575F28B-E03B-4F00-AA56-A8AF97DAF43F}" type="datetimeFigureOut">
               <a:rPr lang="ko-KR" altLang="en-US" smtClean="0"/>
-              <a:t>2021-05-04</a:t>
+              <a:t>2021-05-08</a:t>
             </a:fld>
             <a:endParaRPr lang="ko-KR" altLang="en-US"/>
           </a:p>
@@ -3668,6 +3668,10 @@
               <a:rPr lang="ko-KR" altLang="en-US" dirty="0" err="1"/>
               <a:t>와이즈만</a:t>
             </a:r>
+            <a:r>
+              <a:rPr lang="en-US" altLang="ko-KR" dirty="0"/>
+              <a:t/>
+            </a:r>
             <a:br>
               <a:rPr lang="en-US" altLang="ko-KR" dirty="0"/>
             </a:br>
@@ -3725,7 +3729,7 @@
     <mc:Choice Requires="p14">
       <p:transition/>
     </mc:Choice>
-    <mc:Fallback xmlns="" xmlns:c="http://schemas.openxmlformats.org/drawingml/2006/chart" xmlns:dgm="http://schemas.openxmlformats.org/drawingml/2006/diagram" xmlns:dsp="http://schemas.microsoft.com/office/drawing/2008/diagram">
+    <mc:Fallback xmlns:dsp="http://schemas.microsoft.com/office/drawing/2008/diagram" xmlns:dgm="http://schemas.openxmlformats.org/drawingml/2006/diagram" xmlns:c="http://schemas.openxmlformats.org/drawingml/2006/chart" xmlns="">
       <p:transition/>
     </mc:Fallback>
   </mc:AlternateContent>
@@ -3870,7 +3874,7 @@
     <mc:Choice Requires="p14">
       <p:transition/>
     </mc:Choice>
-    <mc:Fallback xmlns="" xmlns:c="http://schemas.openxmlformats.org/drawingml/2006/chart" xmlns:dgm="http://schemas.openxmlformats.org/drawingml/2006/diagram" xmlns:dsp="http://schemas.microsoft.com/office/drawing/2008/diagram">
+    <mc:Fallback xmlns:dsp="http://schemas.microsoft.com/office/drawing/2008/diagram" xmlns:dgm="http://schemas.openxmlformats.org/drawingml/2006/diagram" xmlns:c="http://schemas.openxmlformats.org/drawingml/2006/chart" xmlns="">
       <p:transition/>
     </mc:Fallback>
   </mc:AlternateContent>
@@ -3930,7 +3934,12 @@
             <p:ph idx="1"/>
           </p:nvPr>
         </p:nvSpPr>
-        <p:spPr/>
+        <p:spPr>
+          <a:xfrm>
+            <a:off x="1443491" y="1916832"/>
+            <a:ext cx="6571343" cy="3450613"/>
+          </a:xfrm>
+        </p:spPr>
         <p:txBody>
           <a:bodyPr>
             <a:normAutofit/>
@@ -4343,10 +4352,17 @@
     <mc:Choice Requires="p14">
       <p:transition/>
     </mc:Choice>
-    <mc:Fallback xmlns:dsp="http://schemas.microsoft.com/office/drawing/2008/diagram" xmlns:dgm="http://schemas.openxmlformats.org/drawingml/2006/diagram" xmlns:c="http://schemas.openxmlformats.org/drawingml/2006/chart" xmlns="">
+    <mc:Fallback xmlns="" xmlns:c="http://schemas.openxmlformats.org/drawingml/2006/chart" xmlns:dgm="http://schemas.openxmlformats.org/drawingml/2006/diagram" xmlns:dsp="http://schemas.microsoft.com/office/drawing/2008/diagram">
       <p:transition/>
     </mc:Fallback>
   </mc:AlternateContent>
+  <p:timing>
+    <p:tnLst>
+      <p:par>
+        <p:cTn id="1" dur="indefinite" restart="never" nodeType="tmRoot"/>
+      </p:par>
+    </p:tnLst>
+  </p:timing>
 </p:sld>
 </file>
 
@@ -4436,6 +4452,10 @@
               </a:rPr>
               <a:t>더하기</a:t>
             </a:r>
+            <a:r>
+              <a:rPr lang="ko-KR" altLang="en-US" dirty="0"/>
+              <a:t/>
+            </a:r>
             <a:br>
               <a:rPr lang="ko-KR" altLang="en-US" dirty="0"/>
             </a:br>
@@ -4455,6 +4475,10 @@
               </a:rPr>
               <a:t>빼기</a:t>
             </a:r>
+            <a:r>
+              <a:rPr lang="ko-KR" altLang="en-US" dirty="0"/>
+              <a:t/>
+            </a:r>
             <a:br>
               <a:rPr lang="ko-KR" altLang="en-US" dirty="0"/>
             </a:br>
@@ -4482,6 +4506,10 @@
               </a:rPr>
               <a:t>곱하기</a:t>
             </a:r>
+            <a:r>
+              <a:rPr lang="ko-KR" altLang="en-US" dirty="0"/>
+              <a:t/>
+            </a:r>
             <a:br>
               <a:rPr lang="ko-KR" altLang="en-US" dirty="0"/>
             </a:br>
@@ -4501,6 +4529,10 @@
               </a:rPr>
               <a:t>나누기</a:t>
             </a:r>
+            <a:r>
+              <a:rPr lang="ko-KR" altLang="en-US" dirty="0"/>
+              <a:t/>
+            </a:r>
             <a:br>
               <a:rPr lang="ko-KR" altLang="en-US" dirty="0"/>
             </a:br>
@@ -4520,6 +4552,10 @@
               </a:rPr>
               <a:t>정수 몫</a:t>
             </a:r>
+            <a:r>
+              <a:rPr lang="ko-KR" altLang="en-US" dirty="0"/>
+              <a:t/>
+            </a:r>
             <a:br>
               <a:rPr lang="ko-KR" altLang="en-US" dirty="0"/>
             </a:br>
@@ -4538,6 +4574,10 @@
                 <a:ea typeface="Malgun Gothic" panose="020B0503020000020004" pitchFamily="50" charset="-127"/>
               </a:rPr>
               <a:t>나머지</a:t>
+            </a:r>
+            <a:r>
+              <a:rPr lang="ko-KR" altLang="en-US" dirty="0"/>
+              <a:t/>
             </a:r>
             <a:br>
               <a:rPr lang="ko-KR" altLang="en-US" dirty="0"/>
@@ -4693,7 +4733,7 @@
               <a:tabLst/>
             </a:pPr>
             <a:r>
-              <a:rPr kumimoji="0" lang="ko-KR" altLang="ko-KR" sz="1200" b="0" i="0" u="none" strike="noStrike" cap="none" normalizeH="0" baseline="0">
+              <a:rPr kumimoji="0" lang="ko-KR" altLang="ko-KR" sz="1200" b="0" i="0" u="none" strike="noStrike" cap="none" normalizeH="0" baseline="0" dirty="0">
                 <a:ln>
                   <a:noFill/>
                 </a:ln>
@@ -4707,7 +4747,7 @@
               <a:t># </a:t>
             </a:r>
             <a:r>
-              <a:rPr kumimoji="0" lang="ko-KR" altLang="ko-KR" sz="1200" b="0" i="0" u="none" strike="noStrike" cap="none" normalizeH="0" baseline="0">
+              <a:rPr kumimoji="0" lang="ko-KR" altLang="ko-KR" sz="1200" b="0" i="0" u="none" strike="noStrike" cap="none" normalizeH="0" baseline="0" dirty="0">
                 <a:ln>
                   <a:noFill/>
                 </a:ln>
@@ -4722,7 +4762,7 @@
               <a:t>산술 연산자</a:t>
             </a:r>
             <a:br>
-              <a:rPr kumimoji="0" lang="ko-KR" altLang="ko-KR" sz="1200" b="0" i="0" u="none" strike="noStrike" cap="none" normalizeH="0" baseline="0">
+              <a:rPr kumimoji="0" lang="ko-KR" altLang="ko-KR" sz="1200" b="0" i="0" u="none" strike="noStrike" cap="none" normalizeH="0" baseline="0" dirty="0">
                 <a:ln>
                   <a:noFill/>
                 </a:ln>
@@ -4736,21 +4776,35 @@
               </a:rPr>
             </a:br>
             <a:r>
-              <a:rPr kumimoji="0" lang="ko-KR" altLang="ko-KR" sz="1200" b="0" i="0" u="none" strike="noStrike" cap="none" normalizeH="0" baseline="0">
-                <a:ln>
-                  <a:noFill/>
-                </a:ln>
-                <a:solidFill>
-                  <a:srgbClr val="A9B7C6"/>
-                </a:solidFill>
-                <a:effectLst/>
-                <a:latin typeface="Courier New" panose="02070309020205020404" pitchFamily="49" charset="0"/>
-                <a:cs typeface="Courier New" panose="02070309020205020404" pitchFamily="49" charset="0"/>
-              </a:rPr>
-              <a:t>a = </a:t>
-            </a:r>
-            <a:r>
-              <a:rPr kumimoji="0" lang="ko-KR" altLang="ko-KR" sz="1200" b="0" i="0" u="none" strike="noStrike" cap="none" normalizeH="0" baseline="0">
+              <a:rPr kumimoji="0" lang="ko-KR" altLang="ko-KR" sz="1200" b="0" i="0" u="none" strike="noStrike" cap="none" normalizeH="0" baseline="0" dirty="0" err="1">
+                <a:ln>
+                  <a:noFill/>
+                </a:ln>
+                <a:solidFill>
+                  <a:srgbClr val="A9B7C6"/>
+                </a:solidFill>
+                <a:effectLst/>
+                <a:latin typeface="Courier New" panose="02070309020205020404" pitchFamily="49" charset="0"/>
+                <a:cs typeface="Courier New" panose="02070309020205020404" pitchFamily="49" charset="0"/>
+              </a:rPr>
+              <a:t>a</a:t>
+            </a:r>
+            <a:r>
+              <a:rPr kumimoji="0" lang="ko-KR" altLang="ko-KR" sz="1200" b="0" i="0" u="none" strike="noStrike" cap="none" normalizeH="0" baseline="0" dirty="0">
+                <a:ln>
+                  <a:noFill/>
+                </a:ln>
+                <a:solidFill>
+                  <a:srgbClr val="A9B7C6"/>
+                </a:solidFill>
+                <a:effectLst/>
+                <a:latin typeface="Courier New" panose="02070309020205020404" pitchFamily="49" charset="0"/>
+                <a:cs typeface="Courier New" panose="02070309020205020404" pitchFamily="49" charset="0"/>
+              </a:rPr>
+              <a:t> = </a:t>
+            </a:r>
+            <a:r>
+              <a:rPr kumimoji="0" lang="ko-KR" altLang="ko-KR" sz="1200" b="0" i="0" u="none" strike="noStrike" cap="none" normalizeH="0" baseline="0" dirty="0">
                 <a:ln>
                   <a:noFill/>
                 </a:ln>
@@ -4764,7 +4818,7 @@
               <a:t>10</a:t>
             </a:r>
             <a:br>
-              <a:rPr kumimoji="0" lang="ko-KR" altLang="ko-KR" sz="1200" b="0" i="0" u="none" strike="noStrike" cap="none" normalizeH="0" baseline="0">
+              <a:rPr kumimoji="0" lang="ko-KR" altLang="ko-KR" sz="1200" b="0" i="0" u="none" strike="noStrike" cap="none" normalizeH="0" baseline="0" dirty="0">
                 <a:ln>
                   <a:noFill/>
                 </a:ln>
@@ -4777,21 +4831,35 @@
               </a:rPr>
             </a:br>
             <a:r>
-              <a:rPr kumimoji="0" lang="ko-KR" altLang="ko-KR" sz="1200" b="0" i="0" u="none" strike="noStrike" cap="none" normalizeH="0" baseline="0">
-                <a:ln>
-                  <a:noFill/>
-                </a:ln>
-                <a:solidFill>
-                  <a:srgbClr val="A9B7C6"/>
-                </a:solidFill>
-                <a:effectLst/>
-                <a:latin typeface="Courier New" panose="02070309020205020404" pitchFamily="49" charset="0"/>
-                <a:cs typeface="Courier New" panose="02070309020205020404" pitchFamily="49" charset="0"/>
-              </a:rPr>
-              <a:t>b = </a:t>
-            </a:r>
-            <a:r>
-              <a:rPr kumimoji="0" lang="ko-KR" altLang="ko-KR" sz="1200" b="0" i="0" u="none" strike="noStrike" cap="none" normalizeH="0" baseline="0">
+              <a:rPr kumimoji="0" lang="ko-KR" altLang="ko-KR" sz="1200" b="0" i="0" u="none" strike="noStrike" cap="none" normalizeH="0" baseline="0" dirty="0" err="1">
+                <a:ln>
+                  <a:noFill/>
+                </a:ln>
+                <a:solidFill>
+                  <a:srgbClr val="A9B7C6"/>
+                </a:solidFill>
+                <a:effectLst/>
+                <a:latin typeface="Courier New" panose="02070309020205020404" pitchFamily="49" charset="0"/>
+                <a:cs typeface="Courier New" panose="02070309020205020404" pitchFamily="49" charset="0"/>
+              </a:rPr>
+              <a:t>b</a:t>
+            </a:r>
+            <a:r>
+              <a:rPr kumimoji="0" lang="ko-KR" altLang="ko-KR" sz="1200" b="0" i="0" u="none" strike="noStrike" cap="none" normalizeH="0" baseline="0" dirty="0">
+                <a:ln>
+                  <a:noFill/>
+                </a:ln>
+                <a:solidFill>
+                  <a:srgbClr val="A9B7C6"/>
+                </a:solidFill>
+                <a:effectLst/>
+                <a:latin typeface="Courier New" panose="02070309020205020404" pitchFamily="49" charset="0"/>
+                <a:cs typeface="Courier New" panose="02070309020205020404" pitchFamily="49" charset="0"/>
+              </a:rPr>
+              <a:t> = </a:t>
+            </a:r>
+            <a:r>
+              <a:rPr kumimoji="0" lang="ko-KR" altLang="ko-KR" sz="1200" b="0" i="0" u="none" strike="noStrike" cap="none" normalizeH="0" baseline="0" dirty="0">
                 <a:ln>
                   <a:noFill/>
                 </a:ln>
@@ -4805,7 +4873,7 @@
               <a:t>3</a:t>
             </a:r>
             <a:br>
-              <a:rPr kumimoji="0" lang="ko-KR" altLang="ko-KR" sz="1200" b="0" i="0" u="none" strike="noStrike" cap="none" normalizeH="0" baseline="0">
+              <a:rPr kumimoji="0" lang="ko-KR" altLang="ko-KR" sz="1200" b="0" i="0" u="none" strike="noStrike" cap="none" normalizeH="0" baseline="0" dirty="0">
                 <a:ln>
                   <a:noFill/>
                 </a:ln>
@@ -4817,8 +4885,22 @@
                 <a:cs typeface="Courier New" panose="02070309020205020404" pitchFamily="49" charset="0"/>
               </a:rPr>
             </a:br>
+            <a:r>
+              <a:rPr kumimoji="0" lang="ko-KR" altLang="ko-KR" sz="1200" b="0" i="0" u="none" strike="noStrike" cap="none" normalizeH="0" baseline="0" dirty="0">
+                <a:ln>
+                  <a:noFill/>
+                </a:ln>
+                <a:solidFill>
+                  <a:srgbClr val="6897BB"/>
+                </a:solidFill>
+                <a:effectLst/>
+                <a:latin typeface="Courier New" panose="02070309020205020404" pitchFamily="49" charset="0"/>
+                <a:cs typeface="Courier New" panose="02070309020205020404" pitchFamily="49" charset="0"/>
+              </a:rPr>
+              <a:t/>
+            </a:r>
             <a:br>
-              <a:rPr kumimoji="0" lang="ko-KR" altLang="ko-KR" sz="1200" b="0" i="0" u="none" strike="noStrike" cap="none" normalizeH="0" baseline="0">
+              <a:rPr kumimoji="0" lang="ko-KR" altLang="ko-KR" sz="1200" b="0" i="0" u="none" strike="noStrike" cap="none" normalizeH="0" baseline="0" dirty="0">
                 <a:ln>
                   <a:noFill/>
                 </a:ln>
@@ -4831,21 +4913,35 @@
               </a:rPr>
             </a:br>
             <a:r>
-              <a:rPr kumimoji="0" lang="ko-KR" altLang="ko-KR" sz="1200" b="0" i="0" u="none" strike="noStrike" cap="none" normalizeH="0" baseline="0">
-                <a:ln>
-                  <a:noFill/>
-                </a:ln>
-                <a:solidFill>
-                  <a:srgbClr val="A9B7C6"/>
-                </a:solidFill>
-                <a:effectLst/>
-                <a:latin typeface="Courier New" panose="02070309020205020404" pitchFamily="49" charset="0"/>
-                <a:cs typeface="Courier New" panose="02070309020205020404" pitchFamily="49" charset="0"/>
-              </a:rPr>
-              <a:t>print(</a:t>
-            </a:r>
-            <a:r>
-              <a:rPr kumimoji="0" lang="ko-KR" altLang="ko-KR" sz="1200" b="0" i="0" u="none" strike="noStrike" cap="none" normalizeH="0" baseline="0">
+              <a:rPr kumimoji="0" lang="ko-KR" altLang="ko-KR" sz="1200" b="0" i="0" u="none" strike="noStrike" cap="none" normalizeH="0" baseline="0" dirty="0" err="1">
+                <a:ln>
+                  <a:noFill/>
+                </a:ln>
+                <a:solidFill>
+                  <a:srgbClr val="A9B7C6"/>
+                </a:solidFill>
+                <a:effectLst/>
+                <a:latin typeface="Courier New" panose="02070309020205020404" pitchFamily="49" charset="0"/>
+                <a:cs typeface="Courier New" panose="02070309020205020404" pitchFamily="49" charset="0"/>
+              </a:rPr>
+              <a:t>print</a:t>
+            </a:r>
+            <a:r>
+              <a:rPr kumimoji="0" lang="ko-KR" altLang="ko-KR" sz="1200" b="0" i="0" u="none" strike="noStrike" cap="none" normalizeH="0" baseline="0" dirty="0">
+                <a:ln>
+                  <a:noFill/>
+                </a:ln>
+                <a:solidFill>
+                  <a:srgbClr val="A9B7C6"/>
+                </a:solidFill>
+                <a:effectLst/>
+                <a:latin typeface="Courier New" panose="02070309020205020404" pitchFamily="49" charset="0"/>
+                <a:cs typeface="Courier New" panose="02070309020205020404" pitchFamily="49" charset="0"/>
+              </a:rPr>
+              <a:t>(</a:t>
+            </a:r>
+            <a:r>
+              <a:rPr kumimoji="0" lang="ko-KR" altLang="ko-KR" sz="1200" b="0" i="0" u="none" strike="noStrike" cap="none" normalizeH="0" baseline="0" dirty="0">
                 <a:ln>
                   <a:noFill/>
                 </a:ln>
@@ -4856,10 +4952,66 @@
                 <a:latin typeface="Courier New" panose="02070309020205020404" pitchFamily="49" charset="0"/>
                 <a:cs typeface="Courier New" panose="02070309020205020404" pitchFamily="49" charset="0"/>
               </a:rPr>
-              <a:t>'a + b = '</a:t>
-            </a:r>
-            <a:r>
-              <a:rPr kumimoji="0" lang="ko-KR" altLang="ko-KR" sz="1200" b="0" i="0" u="none" strike="noStrike" cap="none" normalizeH="0" baseline="0">
+              <a:t>'</a:t>
+            </a:r>
+            <a:r>
+              <a:rPr kumimoji="0" lang="ko-KR" altLang="ko-KR" sz="1200" b="0" i="0" u="none" strike="noStrike" cap="none" normalizeH="0" baseline="0" dirty="0" err="1">
+                <a:ln>
+                  <a:noFill/>
+                </a:ln>
+                <a:solidFill>
+                  <a:srgbClr val="6A8759"/>
+                </a:solidFill>
+                <a:effectLst/>
+                <a:latin typeface="Courier New" panose="02070309020205020404" pitchFamily="49" charset="0"/>
+                <a:cs typeface="Courier New" panose="02070309020205020404" pitchFamily="49" charset="0"/>
+              </a:rPr>
+              <a:t>a</a:t>
+            </a:r>
+            <a:r>
+              <a:rPr kumimoji="0" lang="ko-KR" altLang="ko-KR" sz="1200" b="0" i="0" u="none" strike="noStrike" cap="none" normalizeH="0" baseline="0" dirty="0">
+                <a:ln>
+                  <a:noFill/>
+                </a:ln>
+                <a:solidFill>
+                  <a:srgbClr val="6A8759"/>
+                </a:solidFill>
+                <a:effectLst/>
+                <a:latin typeface="Courier New" panose="02070309020205020404" pitchFamily="49" charset="0"/>
+                <a:cs typeface="Courier New" panose="02070309020205020404" pitchFamily="49" charset="0"/>
+              </a:rPr>
+              <a:t> + </a:t>
+            </a:r>
+            <a:r>
+              <a:rPr kumimoji="0" lang="ko-KR" altLang="ko-KR" sz="1200" b="0" i="0" u="none" strike="noStrike" cap="none" normalizeH="0" baseline="0" dirty="0" err="1">
+                <a:ln>
+                  <a:noFill/>
+                </a:ln>
+                <a:solidFill>
+                  <a:srgbClr val="6A8759"/>
+                </a:solidFill>
+                <a:effectLst/>
+                <a:latin typeface="Courier New" panose="02070309020205020404" pitchFamily="49" charset="0"/>
+                <a:cs typeface="Courier New" panose="02070309020205020404" pitchFamily="49" charset="0"/>
+              </a:rPr>
+              <a:t>b</a:t>
+            </a:r>
+            <a:r>
+              <a:rPr kumimoji="0" lang="ko-KR" altLang="ko-KR" sz="1200" b="0" i="0" u="none" strike="noStrike" cap="none" normalizeH="0" baseline="0" dirty="0">
+                <a:ln>
+                  <a:noFill/>
+                </a:ln>
+                <a:solidFill>
+                  <a:srgbClr val="6A8759"/>
+                </a:solidFill>
+                <a:effectLst/>
+                <a:latin typeface="Courier New" panose="02070309020205020404" pitchFamily="49" charset="0"/>
+                <a:cs typeface="Courier New" panose="02070309020205020404" pitchFamily="49" charset="0"/>
+              </a:rPr>
+              <a:t> = '</a:t>
+            </a:r>
+            <a:r>
+              <a:rPr kumimoji="0" lang="ko-KR" altLang="ko-KR" sz="1200" b="0" i="0" u="none" strike="noStrike" cap="none" normalizeH="0" baseline="0" dirty="0">
                 <a:ln>
                   <a:noFill/>
                 </a:ln>
@@ -4873,21 +5025,63 @@
               <a:t>, </a:t>
             </a:r>
             <a:r>
-              <a:rPr kumimoji="0" lang="ko-KR" altLang="ko-KR" sz="1200" b="0" i="0" u="none" strike="noStrike" cap="none" normalizeH="0" baseline="0">
-                <a:ln>
-                  <a:noFill/>
-                </a:ln>
-                <a:solidFill>
-                  <a:srgbClr val="A9B7C6"/>
-                </a:solidFill>
-                <a:effectLst/>
-                <a:latin typeface="Courier New" panose="02070309020205020404" pitchFamily="49" charset="0"/>
-                <a:cs typeface="Courier New" panose="02070309020205020404" pitchFamily="49" charset="0"/>
-              </a:rPr>
-              <a:t>a + b)</a:t>
+              <a:rPr kumimoji="0" lang="ko-KR" altLang="ko-KR" sz="1200" b="0" i="0" u="none" strike="noStrike" cap="none" normalizeH="0" baseline="0" dirty="0" err="1">
+                <a:ln>
+                  <a:noFill/>
+                </a:ln>
+                <a:solidFill>
+                  <a:srgbClr val="A9B7C6"/>
+                </a:solidFill>
+                <a:effectLst/>
+                <a:latin typeface="Courier New" panose="02070309020205020404" pitchFamily="49" charset="0"/>
+                <a:cs typeface="Courier New" panose="02070309020205020404" pitchFamily="49" charset="0"/>
+              </a:rPr>
+              <a:t>a</a:t>
+            </a:r>
+            <a:r>
+              <a:rPr kumimoji="0" lang="ko-KR" altLang="ko-KR" sz="1200" b="0" i="0" u="none" strike="noStrike" cap="none" normalizeH="0" baseline="0" dirty="0">
+                <a:ln>
+                  <a:noFill/>
+                </a:ln>
+                <a:solidFill>
+                  <a:srgbClr val="A9B7C6"/>
+                </a:solidFill>
+                <a:effectLst/>
+                <a:latin typeface="Courier New" panose="02070309020205020404" pitchFamily="49" charset="0"/>
+                <a:cs typeface="Courier New" panose="02070309020205020404" pitchFamily="49" charset="0"/>
+              </a:rPr>
+              <a:t> + </a:t>
+            </a:r>
+            <a:r>
+              <a:rPr kumimoji="0" lang="ko-KR" altLang="ko-KR" sz="1200" b="0" i="0" u="none" strike="noStrike" cap="none" normalizeH="0" baseline="0" dirty="0" err="1">
+                <a:ln>
+                  <a:noFill/>
+                </a:ln>
+                <a:solidFill>
+                  <a:srgbClr val="A9B7C6"/>
+                </a:solidFill>
+                <a:effectLst/>
+                <a:latin typeface="Courier New" panose="02070309020205020404" pitchFamily="49" charset="0"/>
+                <a:cs typeface="Courier New" panose="02070309020205020404" pitchFamily="49" charset="0"/>
+              </a:rPr>
+              <a:t>b</a:t>
+            </a:r>
+            <a:r>
+              <a:rPr kumimoji="0" lang="ko-KR" altLang="ko-KR" sz="1200" b="0" i="0" u="none" strike="noStrike" cap="none" normalizeH="0" baseline="0" dirty="0">
+                <a:ln>
+                  <a:noFill/>
+                </a:ln>
+                <a:solidFill>
+                  <a:srgbClr val="A9B7C6"/>
+                </a:solidFill>
+                <a:effectLst/>
+                <a:latin typeface="Courier New" panose="02070309020205020404" pitchFamily="49" charset="0"/>
+                <a:cs typeface="Courier New" panose="02070309020205020404" pitchFamily="49" charset="0"/>
+              </a:rPr>
+              <a:t>)</a:t>
             </a:r>
             <a:br>
-              <a:rPr kumimoji="0" lang="ko-KR" altLang="ko-KR" sz="1200" b="0" i="0" u="none" strike="noStrike" cap="none" normalizeH="0" baseline="0">
+              <a:rPr kumimoji="0" lang="ko-KR" altLang="ko-KR" sz="1200" b="0" i="0" u="none" strike="noStrike" cap="none" normalizeH="0" baseline="0" dirty="0">
                 <a:ln>
                   <a:noFill/>
                 </a:ln>
@@ -4900,21 +5094,35 @@
               </a:rPr>
             </a:br>
             <a:r>
-              <a:rPr kumimoji="0" lang="ko-KR" altLang="ko-KR" sz="1200" b="0" i="0" u="none" strike="noStrike" cap="none" normalizeH="0" baseline="0">
-                <a:ln>
-                  <a:noFill/>
-                </a:ln>
-                <a:solidFill>
-                  <a:srgbClr val="A9B7C6"/>
-                </a:solidFill>
-                <a:effectLst/>
-                <a:latin typeface="Courier New" panose="02070309020205020404" pitchFamily="49" charset="0"/>
-                <a:cs typeface="Courier New" panose="02070309020205020404" pitchFamily="49" charset="0"/>
-              </a:rPr>
-              <a:t>print(</a:t>
-            </a:r>
-            <a:r>
-              <a:rPr kumimoji="0" lang="ko-KR" altLang="ko-KR" sz="1200" b="0" i="0" u="none" strike="noStrike" cap="none" normalizeH="0" baseline="0">
+              <a:rPr kumimoji="0" lang="ko-KR" altLang="ko-KR" sz="1200" b="0" i="0" u="none" strike="noStrike" cap="none" normalizeH="0" baseline="0" dirty="0" err="1">
+                <a:ln>
+                  <a:noFill/>
+                </a:ln>
+                <a:solidFill>
+                  <a:srgbClr val="A9B7C6"/>
+                </a:solidFill>
+                <a:effectLst/>
+                <a:latin typeface="Courier New" panose="02070309020205020404" pitchFamily="49" charset="0"/>
+                <a:cs typeface="Courier New" panose="02070309020205020404" pitchFamily="49" charset="0"/>
+              </a:rPr>
+              <a:t>print</a:t>
+            </a:r>
+            <a:r>
+              <a:rPr kumimoji="0" lang="ko-KR" altLang="ko-KR" sz="1200" b="0" i="0" u="none" strike="noStrike" cap="none" normalizeH="0" baseline="0" dirty="0">
+                <a:ln>
+                  <a:noFill/>
+                </a:ln>
+                <a:solidFill>
+                  <a:srgbClr val="A9B7C6"/>
+                </a:solidFill>
+                <a:effectLst/>
+                <a:latin typeface="Courier New" panose="02070309020205020404" pitchFamily="49" charset="0"/>
+                <a:cs typeface="Courier New" panose="02070309020205020404" pitchFamily="49" charset="0"/>
+              </a:rPr>
+              <a:t>(</a:t>
+            </a:r>
+            <a:r>
+              <a:rPr kumimoji="0" lang="ko-KR" altLang="ko-KR" sz="1200" b="0" i="0" u="none" strike="noStrike" cap="none" normalizeH="0" baseline="0" dirty="0">
                 <a:ln>
                   <a:noFill/>
                 </a:ln>
@@ -4925,10 +5133,66 @@
                 <a:latin typeface="Courier New" panose="02070309020205020404" pitchFamily="49" charset="0"/>
                 <a:cs typeface="Courier New" panose="02070309020205020404" pitchFamily="49" charset="0"/>
               </a:rPr>
-              <a:t>'a - b = '</a:t>
-            </a:r>
-            <a:r>
-              <a:rPr kumimoji="0" lang="ko-KR" altLang="ko-KR" sz="1200" b="0" i="0" u="none" strike="noStrike" cap="none" normalizeH="0" baseline="0">
+              <a:t>'</a:t>
+            </a:r>
+            <a:r>
+              <a:rPr kumimoji="0" lang="ko-KR" altLang="ko-KR" sz="1200" b="0" i="0" u="none" strike="noStrike" cap="none" normalizeH="0" baseline="0" dirty="0" err="1">
+                <a:ln>
+                  <a:noFill/>
+                </a:ln>
+                <a:solidFill>
+                  <a:srgbClr val="6A8759"/>
+                </a:solidFill>
+                <a:effectLst/>
+                <a:latin typeface="Courier New" panose="02070309020205020404" pitchFamily="49" charset="0"/>
+                <a:cs typeface="Courier New" panose="02070309020205020404" pitchFamily="49" charset="0"/>
+              </a:rPr>
+              <a:t>a</a:t>
+            </a:r>
+            <a:r>
+              <a:rPr kumimoji="0" lang="ko-KR" altLang="ko-KR" sz="1200" b="0" i="0" u="none" strike="noStrike" cap="none" normalizeH="0" baseline="0" dirty="0">
+                <a:ln>
+                  <a:noFill/>
+                </a:ln>
+                <a:solidFill>
+                  <a:srgbClr val="6A8759"/>
+                </a:solidFill>
+                <a:effectLst/>
+                <a:latin typeface="Courier New" panose="02070309020205020404" pitchFamily="49" charset="0"/>
+                <a:cs typeface="Courier New" panose="02070309020205020404" pitchFamily="49" charset="0"/>
+              </a:rPr>
+              <a:t> - </a:t>
+            </a:r>
+            <a:r>
+              <a:rPr kumimoji="0" lang="ko-KR" altLang="ko-KR" sz="1200" b="0" i="0" u="none" strike="noStrike" cap="none" normalizeH="0" baseline="0" dirty="0" err="1">
+                <a:ln>
+                  <a:noFill/>
+                </a:ln>
+                <a:solidFill>
+                  <a:srgbClr val="6A8759"/>
+                </a:solidFill>
+                <a:effectLst/>
+                <a:latin typeface="Courier New" panose="02070309020205020404" pitchFamily="49" charset="0"/>
+                <a:cs typeface="Courier New" panose="02070309020205020404" pitchFamily="49" charset="0"/>
+              </a:rPr>
+              <a:t>b</a:t>
+            </a:r>
+            <a:r>
+              <a:rPr kumimoji="0" lang="ko-KR" altLang="ko-KR" sz="1200" b="0" i="0" u="none" strike="noStrike" cap="none" normalizeH="0" baseline="0" dirty="0">
+                <a:ln>
+                  <a:noFill/>
+                </a:ln>
+                <a:solidFill>
+                  <a:srgbClr val="6A8759"/>
+                </a:solidFill>
+                <a:effectLst/>
+                <a:latin typeface="Courier New" panose="02070309020205020404" pitchFamily="49" charset="0"/>
+                <a:cs typeface="Courier New" panose="02070309020205020404" pitchFamily="49" charset="0"/>
+              </a:rPr>
+              <a:t> = '</a:t>
+            </a:r>
+            <a:r>
+              <a:rPr kumimoji="0" lang="ko-KR" altLang="ko-KR" sz="1200" b="0" i="0" u="none" strike="noStrike" cap="none" normalizeH="0" baseline="0" dirty="0">
                 <a:ln>
                   <a:noFill/>
                 </a:ln>
@@ -4942,21 +5206,63 @@
               <a:t>, </a:t>
             </a:r>
             <a:r>
-              <a:rPr kumimoji="0" lang="ko-KR" altLang="ko-KR" sz="1200" b="0" i="0" u="none" strike="noStrike" cap="none" normalizeH="0" baseline="0">
-                <a:ln>
-                  <a:noFill/>
-                </a:ln>
-                <a:solidFill>
-                  <a:srgbClr val="A9B7C6"/>
-                </a:solidFill>
-                <a:effectLst/>
-                <a:latin typeface="Courier New" panose="02070309020205020404" pitchFamily="49" charset="0"/>
-                <a:cs typeface="Courier New" panose="02070309020205020404" pitchFamily="49" charset="0"/>
-              </a:rPr>
-              <a:t>a - b)</a:t>
+              <a:rPr kumimoji="0" lang="ko-KR" altLang="ko-KR" sz="1200" b="0" i="0" u="none" strike="noStrike" cap="none" normalizeH="0" baseline="0" dirty="0" err="1">
+                <a:ln>
+                  <a:noFill/>
+                </a:ln>
+                <a:solidFill>
+                  <a:srgbClr val="A9B7C6"/>
+                </a:solidFill>
+                <a:effectLst/>
+                <a:latin typeface="Courier New" panose="02070309020205020404" pitchFamily="49" charset="0"/>
+                <a:cs typeface="Courier New" panose="02070309020205020404" pitchFamily="49" charset="0"/>
+              </a:rPr>
+              <a:t>a</a:t>
+            </a:r>
+            <a:r>
+              <a:rPr kumimoji="0" lang="ko-KR" altLang="ko-KR" sz="1200" b="0" i="0" u="none" strike="noStrike" cap="none" normalizeH="0" baseline="0" dirty="0">
+                <a:ln>
+                  <a:noFill/>
+                </a:ln>
+                <a:solidFill>
+                  <a:srgbClr val="A9B7C6"/>
+                </a:solidFill>
+                <a:effectLst/>
+                <a:latin typeface="Courier New" panose="02070309020205020404" pitchFamily="49" charset="0"/>
+                <a:cs typeface="Courier New" panose="02070309020205020404" pitchFamily="49" charset="0"/>
+              </a:rPr>
+              <a:t> - </a:t>
+            </a:r>
+            <a:r>
+              <a:rPr kumimoji="0" lang="ko-KR" altLang="ko-KR" sz="1200" b="0" i="0" u="none" strike="noStrike" cap="none" normalizeH="0" baseline="0" dirty="0" err="1">
+                <a:ln>
+                  <a:noFill/>
+                </a:ln>
+                <a:solidFill>
+                  <a:srgbClr val="A9B7C6"/>
+                </a:solidFill>
+                <a:effectLst/>
+                <a:latin typeface="Courier New" panose="02070309020205020404" pitchFamily="49" charset="0"/>
+                <a:cs typeface="Courier New" panose="02070309020205020404" pitchFamily="49" charset="0"/>
+              </a:rPr>
+              <a:t>b</a:t>
+            </a:r>
+            <a:r>
+              <a:rPr kumimoji="0" lang="ko-KR" altLang="ko-KR" sz="1200" b="0" i="0" u="none" strike="noStrike" cap="none" normalizeH="0" baseline="0" dirty="0">
+                <a:ln>
+                  <a:noFill/>
+                </a:ln>
+                <a:solidFill>
+                  <a:srgbClr val="A9B7C6"/>
+                </a:solidFill>
+                <a:effectLst/>
+                <a:latin typeface="Courier New" panose="02070309020205020404" pitchFamily="49" charset="0"/>
+                <a:cs typeface="Courier New" panose="02070309020205020404" pitchFamily="49" charset="0"/>
+              </a:rPr>
+              <a:t>)</a:t>
             </a:r>
             <a:br>
-              <a:rPr kumimoji="0" lang="ko-KR" altLang="ko-KR" sz="1200" b="0" i="0" u="none" strike="noStrike" cap="none" normalizeH="0" baseline="0">
+              <a:rPr kumimoji="0" lang="ko-KR" altLang="ko-KR" sz="1200" b="0" i="0" u="none" strike="noStrike" cap="none" normalizeH="0" baseline="0" dirty="0">
                 <a:ln>
                   <a:noFill/>
                 </a:ln>
@@ -4969,21 +5275,35 @@
               </a:rPr>
             </a:br>
             <a:r>
-              <a:rPr kumimoji="0" lang="ko-KR" altLang="ko-KR" sz="1200" b="0" i="0" u="none" strike="noStrike" cap="none" normalizeH="0" baseline="0">
-                <a:ln>
-                  <a:noFill/>
-                </a:ln>
-                <a:solidFill>
-                  <a:srgbClr val="A9B7C6"/>
-                </a:solidFill>
-                <a:effectLst/>
-                <a:latin typeface="Courier New" panose="02070309020205020404" pitchFamily="49" charset="0"/>
-                <a:cs typeface="Courier New" panose="02070309020205020404" pitchFamily="49" charset="0"/>
-              </a:rPr>
-              <a:t>print(</a:t>
-            </a:r>
-            <a:r>
-              <a:rPr kumimoji="0" lang="ko-KR" altLang="ko-KR" sz="1200" b="0" i="0" u="none" strike="noStrike" cap="none" normalizeH="0" baseline="0">
+              <a:rPr kumimoji="0" lang="ko-KR" altLang="ko-KR" sz="1200" b="0" i="0" u="none" strike="noStrike" cap="none" normalizeH="0" baseline="0" dirty="0" err="1">
+                <a:ln>
+                  <a:noFill/>
+                </a:ln>
+                <a:solidFill>
+                  <a:srgbClr val="A9B7C6"/>
+                </a:solidFill>
+                <a:effectLst/>
+                <a:latin typeface="Courier New" panose="02070309020205020404" pitchFamily="49" charset="0"/>
+                <a:cs typeface="Courier New" panose="02070309020205020404" pitchFamily="49" charset="0"/>
+              </a:rPr>
+              <a:t>print</a:t>
+            </a:r>
+            <a:r>
+              <a:rPr kumimoji="0" lang="ko-KR" altLang="ko-KR" sz="1200" b="0" i="0" u="none" strike="noStrike" cap="none" normalizeH="0" baseline="0" dirty="0">
+                <a:ln>
+                  <a:noFill/>
+                </a:ln>
+                <a:solidFill>
+                  <a:srgbClr val="A9B7C6"/>
+                </a:solidFill>
+                <a:effectLst/>
+                <a:latin typeface="Courier New" panose="02070309020205020404" pitchFamily="49" charset="0"/>
+                <a:cs typeface="Courier New" panose="02070309020205020404" pitchFamily="49" charset="0"/>
+              </a:rPr>
+              <a:t>(</a:t>
+            </a:r>
+            <a:r>
+              <a:rPr kumimoji="0" lang="ko-KR" altLang="ko-KR" sz="1200" b="0" i="0" u="none" strike="noStrike" cap="none" normalizeH="0" baseline="0" dirty="0">
                 <a:ln>
                   <a:noFill/>
                 </a:ln>
@@ -4994,10 +5314,66 @@
                 <a:latin typeface="Courier New" panose="02070309020205020404" pitchFamily="49" charset="0"/>
                 <a:cs typeface="Courier New" panose="02070309020205020404" pitchFamily="49" charset="0"/>
               </a:rPr>
-              <a:t>'a * b = '</a:t>
-            </a:r>
-            <a:r>
-              <a:rPr kumimoji="0" lang="ko-KR" altLang="ko-KR" sz="1200" b="0" i="0" u="none" strike="noStrike" cap="none" normalizeH="0" baseline="0">
+              <a:t>'</a:t>
+            </a:r>
+            <a:r>
+              <a:rPr kumimoji="0" lang="ko-KR" altLang="ko-KR" sz="1200" b="0" i="0" u="none" strike="noStrike" cap="none" normalizeH="0" baseline="0" dirty="0" err="1">
+                <a:ln>
+                  <a:noFill/>
+                </a:ln>
+                <a:solidFill>
+                  <a:srgbClr val="6A8759"/>
+                </a:solidFill>
+                <a:effectLst/>
+                <a:latin typeface="Courier New" panose="02070309020205020404" pitchFamily="49" charset="0"/>
+                <a:cs typeface="Courier New" panose="02070309020205020404" pitchFamily="49" charset="0"/>
+              </a:rPr>
+              <a:t>a</a:t>
+            </a:r>
+            <a:r>
+              <a:rPr kumimoji="0" lang="ko-KR" altLang="ko-KR" sz="1200" b="0" i="0" u="none" strike="noStrike" cap="none" normalizeH="0" baseline="0" dirty="0">
+                <a:ln>
+                  <a:noFill/>
+                </a:ln>
+                <a:solidFill>
+                  <a:srgbClr val="6A8759"/>
+                </a:solidFill>
+                <a:effectLst/>
+                <a:latin typeface="Courier New" panose="02070309020205020404" pitchFamily="49" charset="0"/>
+                <a:cs typeface="Courier New" panose="02070309020205020404" pitchFamily="49" charset="0"/>
+              </a:rPr>
+              <a:t> * </a:t>
+            </a:r>
+            <a:r>
+              <a:rPr kumimoji="0" lang="ko-KR" altLang="ko-KR" sz="1200" b="0" i="0" u="none" strike="noStrike" cap="none" normalizeH="0" baseline="0" dirty="0" err="1">
+                <a:ln>
+                  <a:noFill/>
+                </a:ln>
+                <a:solidFill>
+                  <a:srgbClr val="6A8759"/>
+                </a:solidFill>
+                <a:effectLst/>
+                <a:latin typeface="Courier New" panose="02070309020205020404" pitchFamily="49" charset="0"/>
+                <a:cs typeface="Courier New" panose="02070309020205020404" pitchFamily="49" charset="0"/>
+              </a:rPr>
+              <a:t>b</a:t>
+            </a:r>
+            <a:r>
+              <a:rPr kumimoji="0" lang="ko-KR" altLang="ko-KR" sz="1200" b="0" i="0" u="none" strike="noStrike" cap="none" normalizeH="0" baseline="0" dirty="0">
+                <a:ln>
+                  <a:noFill/>
+                </a:ln>
+                <a:solidFill>
+                  <a:srgbClr val="6A8759"/>
+                </a:solidFill>
+                <a:effectLst/>
+                <a:latin typeface="Courier New" panose="02070309020205020404" pitchFamily="49" charset="0"/>
+                <a:cs typeface="Courier New" panose="02070309020205020404" pitchFamily="49" charset="0"/>
+              </a:rPr>
+              <a:t> = '</a:t>
+            </a:r>
+            <a:r>
+              <a:rPr kumimoji="0" lang="ko-KR" altLang="ko-KR" sz="1200" b="0" i="0" u="none" strike="noStrike" cap="none" normalizeH="0" baseline="0" dirty="0">
                 <a:ln>
                   <a:noFill/>
                 </a:ln>
@@ -5011,21 +5387,63 @@
               <a:t>, </a:t>
             </a:r>
             <a:r>
-              <a:rPr kumimoji="0" lang="ko-KR" altLang="ko-KR" sz="1200" b="0" i="0" u="none" strike="noStrike" cap="none" normalizeH="0" baseline="0">
-                <a:ln>
-                  <a:noFill/>
-                </a:ln>
-                <a:solidFill>
-                  <a:srgbClr val="A9B7C6"/>
-                </a:solidFill>
-                <a:effectLst/>
-                <a:latin typeface="Courier New" panose="02070309020205020404" pitchFamily="49" charset="0"/>
-                <a:cs typeface="Courier New" panose="02070309020205020404" pitchFamily="49" charset="0"/>
-              </a:rPr>
-              <a:t>a * b)</a:t>
+              <a:rPr kumimoji="0" lang="ko-KR" altLang="ko-KR" sz="1200" b="0" i="0" u="none" strike="noStrike" cap="none" normalizeH="0" baseline="0" dirty="0" err="1">
+                <a:ln>
+                  <a:noFill/>
+                </a:ln>
+                <a:solidFill>
+                  <a:srgbClr val="A9B7C6"/>
+                </a:solidFill>
+                <a:effectLst/>
+                <a:latin typeface="Courier New" panose="02070309020205020404" pitchFamily="49" charset="0"/>
+                <a:cs typeface="Courier New" panose="02070309020205020404" pitchFamily="49" charset="0"/>
+              </a:rPr>
+              <a:t>a</a:t>
+            </a:r>
+            <a:r>
+              <a:rPr kumimoji="0" lang="ko-KR" altLang="ko-KR" sz="1200" b="0" i="0" u="none" strike="noStrike" cap="none" normalizeH="0" baseline="0" dirty="0">
+                <a:ln>
+                  <a:noFill/>
+                </a:ln>
+                <a:solidFill>
+                  <a:srgbClr val="A9B7C6"/>
+                </a:solidFill>
+                <a:effectLst/>
+                <a:latin typeface="Courier New" panose="02070309020205020404" pitchFamily="49" charset="0"/>
+                <a:cs typeface="Courier New" panose="02070309020205020404" pitchFamily="49" charset="0"/>
+              </a:rPr>
+              <a:t> * </a:t>
+            </a:r>
+            <a:r>
+              <a:rPr kumimoji="0" lang="ko-KR" altLang="ko-KR" sz="1200" b="0" i="0" u="none" strike="noStrike" cap="none" normalizeH="0" baseline="0" dirty="0" err="1">
+                <a:ln>
+                  <a:noFill/>
+                </a:ln>
+                <a:solidFill>
+                  <a:srgbClr val="A9B7C6"/>
+                </a:solidFill>
+                <a:effectLst/>
+                <a:latin typeface="Courier New" panose="02070309020205020404" pitchFamily="49" charset="0"/>
+                <a:cs typeface="Courier New" panose="02070309020205020404" pitchFamily="49" charset="0"/>
+              </a:rPr>
+              <a:t>b</a:t>
+            </a:r>
+            <a:r>
+              <a:rPr kumimoji="0" lang="ko-KR" altLang="ko-KR" sz="1200" b="0" i="0" u="none" strike="noStrike" cap="none" normalizeH="0" baseline="0" dirty="0">
+                <a:ln>
+                  <a:noFill/>
+                </a:ln>
+                <a:solidFill>
+                  <a:srgbClr val="A9B7C6"/>
+                </a:solidFill>
+                <a:effectLst/>
+                <a:latin typeface="Courier New" panose="02070309020205020404" pitchFamily="49" charset="0"/>
+                <a:cs typeface="Courier New" panose="02070309020205020404" pitchFamily="49" charset="0"/>
+              </a:rPr>
+              <a:t>)</a:t>
             </a:r>
             <a:br>
-              <a:rPr kumimoji="0" lang="ko-KR" altLang="ko-KR" sz="1200" b="0" i="0" u="none" strike="noStrike" cap="none" normalizeH="0" baseline="0">
+              <a:rPr kumimoji="0" lang="ko-KR" altLang="ko-KR" sz="1200" b="0" i="0" u="none" strike="noStrike" cap="none" normalizeH="0" baseline="0" dirty="0">
                 <a:ln>
                   <a:noFill/>
                 </a:ln>
@@ -5038,21 +5456,35 @@
               </a:rPr>
             </a:br>
             <a:r>
-              <a:rPr kumimoji="0" lang="ko-KR" altLang="ko-KR" sz="1200" b="0" i="0" u="none" strike="noStrike" cap="none" normalizeH="0" baseline="0">
-                <a:ln>
-                  <a:noFill/>
-                </a:ln>
-                <a:solidFill>
-                  <a:srgbClr val="A9B7C6"/>
-                </a:solidFill>
-                <a:effectLst/>
-                <a:latin typeface="Courier New" panose="02070309020205020404" pitchFamily="49" charset="0"/>
-                <a:cs typeface="Courier New" panose="02070309020205020404" pitchFamily="49" charset="0"/>
-              </a:rPr>
-              <a:t>print(</a:t>
-            </a:r>
-            <a:r>
-              <a:rPr kumimoji="0" lang="ko-KR" altLang="ko-KR" sz="1200" b="0" i="0" u="none" strike="noStrike" cap="none" normalizeH="0" baseline="0">
+              <a:rPr kumimoji="0" lang="ko-KR" altLang="ko-KR" sz="1200" b="0" i="0" u="none" strike="noStrike" cap="none" normalizeH="0" baseline="0" dirty="0" err="1">
+                <a:ln>
+                  <a:noFill/>
+                </a:ln>
+                <a:solidFill>
+                  <a:srgbClr val="A9B7C6"/>
+                </a:solidFill>
+                <a:effectLst/>
+                <a:latin typeface="Courier New" panose="02070309020205020404" pitchFamily="49" charset="0"/>
+                <a:cs typeface="Courier New" panose="02070309020205020404" pitchFamily="49" charset="0"/>
+              </a:rPr>
+              <a:t>print</a:t>
+            </a:r>
+            <a:r>
+              <a:rPr kumimoji="0" lang="ko-KR" altLang="ko-KR" sz="1200" b="0" i="0" u="none" strike="noStrike" cap="none" normalizeH="0" baseline="0" dirty="0">
+                <a:ln>
+                  <a:noFill/>
+                </a:ln>
+                <a:solidFill>
+                  <a:srgbClr val="A9B7C6"/>
+                </a:solidFill>
+                <a:effectLst/>
+                <a:latin typeface="Courier New" panose="02070309020205020404" pitchFamily="49" charset="0"/>
+                <a:cs typeface="Courier New" panose="02070309020205020404" pitchFamily="49" charset="0"/>
+              </a:rPr>
+              <a:t>(</a:t>
+            </a:r>
+            <a:r>
+              <a:rPr kumimoji="0" lang="ko-KR" altLang="ko-KR" sz="1200" b="0" i="0" u="none" strike="noStrike" cap="none" normalizeH="0" baseline="0" dirty="0">
                 <a:ln>
                   <a:noFill/>
                 </a:ln>
@@ -5063,10 +5495,66 @@
                 <a:latin typeface="Courier New" panose="02070309020205020404" pitchFamily="49" charset="0"/>
                 <a:cs typeface="Courier New" panose="02070309020205020404" pitchFamily="49" charset="0"/>
               </a:rPr>
-              <a:t>'a / b = '</a:t>
-            </a:r>
-            <a:r>
-              <a:rPr kumimoji="0" lang="ko-KR" altLang="ko-KR" sz="1200" b="0" i="0" u="none" strike="noStrike" cap="none" normalizeH="0" baseline="0">
+              <a:t>'</a:t>
+            </a:r>
+            <a:r>
+              <a:rPr kumimoji="0" lang="ko-KR" altLang="ko-KR" sz="1200" b="0" i="0" u="none" strike="noStrike" cap="none" normalizeH="0" baseline="0" dirty="0" err="1">
+                <a:ln>
+                  <a:noFill/>
+                </a:ln>
+                <a:solidFill>
+                  <a:srgbClr val="6A8759"/>
+                </a:solidFill>
+                <a:effectLst/>
+                <a:latin typeface="Courier New" panose="02070309020205020404" pitchFamily="49" charset="0"/>
+                <a:cs typeface="Courier New" panose="02070309020205020404" pitchFamily="49" charset="0"/>
+              </a:rPr>
+              <a:t>a</a:t>
+            </a:r>
+            <a:r>
+              <a:rPr kumimoji="0" lang="ko-KR" altLang="ko-KR" sz="1200" b="0" i="0" u="none" strike="noStrike" cap="none" normalizeH="0" baseline="0" dirty="0">
+                <a:ln>
+                  <a:noFill/>
+                </a:ln>
+                <a:solidFill>
+                  <a:srgbClr val="6A8759"/>
+                </a:solidFill>
+                <a:effectLst/>
+                <a:latin typeface="Courier New" panose="02070309020205020404" pitchFamily="49" charset="0"/>
+                <a:cs typeface="Courier New" panose="02070309020205020404" pitchFamily="49" charset="0"/>
+              </a:rPr>
+              <a:t> / </a:t>
+            </a:r>
+            <a:r>
+              <a:rPr kumimoji="0" lang="ko-KR" altLang="ko-KR" sz="1200" b="0" i="0" u="none" strike="noStrike" cap="none" normalizeH="0" baseline="0" dirty="0" err="1">
+                <a:ln>
+                  <a:noFill/>
+                </a:ln>
+                <a:solidFill>
+                  <a:srgbClr val="6A8759"/>
+                </a:solidFill>
+                <a:effectLst/>
+                <a:latin typeface="Courier New" panose="02070309020205020404" pitchFamily="49" charset="0"/>
+                <a:cs typeface="Courier New" panose="02070309020205020404" pitchFamily="49" charset="0"/>
+              </a:rPr>
+              <a:t>b</a:t>
+            </a:r>
+            <a:r>
+              <a:rPr kumimoji="0" lang="ko-KR" altLang="ko-KR" sz="1200" b="0" i="0" u="none" strike="noStrike" cap="none" normalizeH="0" baseline="0" dirty="0">
+                <a:ln>
+                  <a:noFill/>
+                </a:ln>
+                <a:solidFill>
+                  <a:srgbClr val="6A8759"/>
+                </a:solidFill>
+                <a:effectLst/>
+                <a:latin typeface="Courier New" panose="02070309020205020404" pitchFamily="49" charset="0"/>
+                <a:cs typeface="Courier New" panose="02070309020205020404" pitchFamily="49" charset="0"/>
+              </a:rPr>
+              <a:t> = '</a:t>
+            </a:r>
+            <a:r>
+              <a:rPr kumimoji="0" lang="ko-KR" altLang="ko-KR" sz="1200" b="0" i="0" u="none" strike="noStrike" cap="none" normalizeH="0" baseline="0" dirty="0">
                 <a:ln>
                   <a:noFill/>
                 </a:ln>
@@ -5080,21 +5568,63 @@
               <a:t>, </a:t>
             </a:r>
             <a:r>
-              <a:rPr kumimoji="0" lang="ko-KR" altLang="ko-KR" sz="1200" b="0" i="0" u="none" strike="noStrike" cap="none" normalizeH="0" baseline="0">
-                <a:ln>
-                  <a:noFill/>
-                </a:ln>
-                <a:solidFill>
-                  <a:srgbClr val="A9B7C6"/>
-                </a:solidFill>
-                <a:effectLst/>
-                <a:latin typeface="Courier New" panose="02070309020205020404" pitchFamily="49" charset="0"/>
-                <a:cs typeface="Courier New" panose="02070309020205020404" pitchFamily="49" charset="0"/>
-              </a:rPr>
-              <a:t>a / b)</a:t>
+              <a:rPr kumimoji="0" lang="ko-KR" altLang="ko-KR" sz="1200" b="0" i="0" u="none" strike="noStrike" cap="none" normalizeH="0" baseline="0" dirty="0" err="1">
+                <a:ln>
+                  <a:noFill/>
+                </a:ln>
+                <a:solidFill>
+                  <a:srgbClr val="A9B7C6"/>
+                </a:solidFill>
+                <a:effectLst/>
+                <a:latin typeface="Courier New" panose="02070309020205020404" pitchFamily="49" charset="0"/>
+                <a:cs typeface="Courier New" panose="02070309020205020404" pitchFamily="49" charset="0"/>
+              </a:rPr>
+              <a:t>a</a:t>
+            </a:r>
+            <a:r>
+              <a:rPr kumimoji="0" lang="ko-KR" altLang="ko-KR" sz="1200" b="0" i="0" u="none" strike="noStrike" cap="none" normalizeH="0" baseline="0" dirty="0">
+                <a:ln>
+                  <a:noFill/>
+                </a:ln>
+                <a:solidFill>
+                  <a:srgbClr val="A9B7C6"/>
+                </a:solidFill>
+                <a:effectLst/>
+                <a:latin typeface="Courier New" panose="02070309020205020404" pitchFamily="49" charset="0"/>
+                <a:cs typeface="Courier New" panose="02070309020205020404" pitchFamily="49" charset="0"/>
+              </a:rPr>
+              <a:t> / </a:t>
+            </a:r>
+            <a:r>
+              <a:rPr kumimoji="0" lang="ko-KR" altLang="ko-KR" sz="1200" b="0" i="0" u="none" strike="noStrike" cap="none" normalizeH="0" baseline="0" dirty="0" err="1">
+                <a:ln>
+                  <a:noFill/>
+                </a:ln>
+                <a:solidFill>
+                  <a:srgbClr val="A9B7C6"/>
+                </a:solidFill>
+                <a:effectLst/>
+                <a:latin typeface="Courier New" panose="02070309020205020404" pitchFamily="49" charset="0"/>
+                <a:cs typeface="Courier New" panose="02070309020205020404" pitchFamily="49" charset="0"/>
+              </a:rPr>
+              <a:t>b</a:t>
+            </a:r>
+            <a:r>
+              <a:rPr kumimoji="0" lang="ko-KR" altLang="ko-KR" sz="1200" b="0" i="0" u="none" strike="noStrike" cap="none" normalizeH="0" baseline="0" dirty="0">
+                <a:ln>
+                  <a:noFill/>
+                </a:ln>
+                <a:solidFill>
+                  <a:srgbClr val="A9B7C6"/>
+                </a:solidFill>
+                <a:effectLst/>
+                <a:latin typeface="Courier New" panose="02070309020205020404" pitchFamily="49" charset="0"/>
+                <a:cs typeface="Courier New" panose="02070309020205020404" pitchFamily="49" charset="0"/>
+              </a:rPr>
+              <a:t>)</a:t>
             </a:r>
             <a:br>
-              <a:rPr kumimoji="0" lang="ko-KR" altLang="ko-KR" sz="1200" b="0" i="0" u="none" strike="noStrike" cap="none" normalizeH="0" baseline="0">
+              <a:rPr kumimoji="0" lang="ko-KR" altLang="ko-KR" sz="1200" b="0" i="0" u="none" strike="noStrike" cap="none" normalizeH="0" baseline="0" dirty="0">
                 <a:ln>
                   <a:noFill/>
                 </a:ln>
@@ -5107,21 +5637,35 @@
               </a:rPr>
             </a:br>
             <a:r>
-              <a:rPr kumimoji="0" lang="ko-KR" altLang="ko-KR" sz="1200" b="0" i="0" u="none" strike="noStrike" cap="none" normalizeH="0" baseline="0">
-                <a:ln>
-                  <a:noFill/>
-                </a:ln>
-                <a:solidFill>
-                  <a:srgbClr val="A9B7C6"/>
-                </a:solidFill>
-                <a:effectLst/>
-                <a:latin typeface="Courier New" panose="02070309020205020404" pitchFamily="49" charset="0"/>
-                <a:cs typeface="Courier New" panose="02070309020205020404" pitchFamily="49" charset="0"/>
-              </a:rPr>
-              <a:t>print(</a:t>
-            </a:r>
-            <a:r>
-              <a:rPr kumimoji="0" lang="ko-KR" altLang="ko-KR" sz="1200" b="0" i="0" u="none" strike="noStrike" cap="none" normalizeH="0" baseline="0">
+              <a:rPr kumimoji="0" lang="ko-KR" altLang="ko-KR" sz="1200" b="0" i="0" u="none" strike="noStrike" cap="none" normalizeH="0" baseline="0" dirty="0" err="1">
+                <a:ln>
+                  <a:noFill/>
+                </a:ln>
+                <a:solidFill>
+                  <a:srgbClr val="A9B7C6"/>
+                </a:solidFill>
+                <a:effectLst/>
+                <a:latin typeface="Courier New" panose="02070309020205020404" pitchFamily="49" charset="0"/>
+                <a:cs typeface="Courier New" panose="02070309020205020404" pitchFamily="49" charset="0"/>
+              </a:rPr>
+              <a:t>print</a:t>
+            </a:r>
+            <a:r>
+              <a:rPr kumimoji="0" lang="ko-KR" altLang="ko-KR" sz="1200" b="0" i="0" u="none" strike="noStrike" cap="none" normalizeH="0" baseline="0" dirty="0">
+                <a:ln>
+                  <a:noFill/>
+                </a:ln>
+                <a:solidFill>
+                  <a:srgbClr val="A9B7C6"/>
+                </a:solidFill>
+                <a:effectLst/>
+                <a:latin typeface="Courier New" panose="02070309020205020404" pitchFamily="49" charset="0"/>
+                <a:cs typeface="Courier New" panose="02070309020205020404" pitchFamily="49" charset="0"/>
+              </a:rPr>
+              <a:t>(</a:t>
+            </a:r>
+            <a:r>
+              <a:rPr kumimoji="0" lang="ko-KR" altLang="ko-KR" sz="1200" b="0" i="0" u="none" strike="noStrike" cap="none" normalizeH="0" baseline="0" dirty="0">
                 <a:ln>
                   <a:noFill/>
                 </a:ln>
@@ -5132,10 +5676,66 @@
                 <a:latin typeface="Courier New" panose="02070309020205020404" pitchFamily="49" charset="0"/>
                 <a:cs typeface="Courier New" panose="02070309020205020404" pitchFamily="49" charset="0"/>
               </a:rPr>
-              <a:t>'a % b = '</a:t>
-            </a:r>
-            <a:r>
-              <a:rPr kumimoji="0" lang="ko-KR" altLang="ko-KR" sz="1200" b="0" i="0" u="none" strike="noStrike" cap="none" normalizeH="0" baseline="0">
+              <a:t>'</a:t>
+            </a:r>
+            <a:r>
+              <a:rPr kumimoji="0" lang="ko-KR" altLang="ko-KR" sz="1200" b="0" i="0" u="none" strike="noStrike" cap="none" normalizeH="0" baseline="0" dirty="0" err="1">
+                <a:ln>
+                  <a:noFill/>
+                </a:ln>
+                <a:solidFill>
+                  <a:srgbClr val="6A8759"/>
+                </a:solidFill>
+                <a:effectLst/>
+                <a:latin typeface="Courier New" panose="02070309020205020404" pitchFamily="49" charset="0"/>
+                <a:cs typeface="Courier New" panose="02070309020205020404" pitchFamily="49" charset="0"/>
+              </a:rPr>
+              <a:t>a</a:t>
+            </a:r>
+            <a:r>
+              <a:rPr kumimoji="0" lang="ko-KR" altLang="ko-KR" sz="1200" b="0" i="0" u="none" strike="noStrike" cap="none" normalizeH="0" baseline="0" dirty="0">
+                <a:ln>
+                  <a:noFill/>
+                </a:ln>
+                <a:solidFill>
+                  <a:srgbClr val="6A8759"/>
+                </a:solidFill>
+                <a:effectLst/>
+                <a:latin typeface="Courier New" panose="02070309020205020404" pitchFamily="49" charset="0"/>
+                <a:cs typeface="Courier New" panose="02070309020205020404" pitchFamily="49" charset="0"/>
+              </a:rPr>
+              <a:t> % </a:t>
+            </a:r>
+            <a:r>
+              <a:rPr kumimoji="0" lang="ko-KR" altLang="ko-KR" sz="1200" b="0" i="0" u="none" strike="noStrike" cap="none" normalizeH="0" baseline="0" dirty="0" err="1">
+                <a:ln>
+                  <a:noFill/>
+                </a:ln>
+                <a:solidFill>
+                  <a:srgbClr val="6A8759"/>
+                </a:solidFill>
+                <a:effectLst/>
+                <a:latin typeface="Courier New" panose="02070309020205020404" pitchFamily="49" charset="0"/>
+                <a:cs typeface="Courier New" panose="02070309020205020404" pitchFamily="49" charset="0"/>
+              </a:rPr>
+              <a:t>b</a:t>
+            </a:r>
+            <a:r>
+              <a:rPr kumimoji="0" lang="ko-KR" altLang="ko-KR" sz="1200" b="0" i="0" u="none" strike="noStrike" cap="none" normalizeH="0" baseline="0" dirty="0">
+                <a:ln>
+                  <a:noFill/>
+                </a:ln>
+                <a:solidFill>
+                  <a:srgbClr val="6A8759"/>
+                </a:solidFill>
+                <a:effectLst/>
+                <a:latin typeface="Courier New" panose="02070309020205020404" pitchFamily="49" charset="0"/>
+                <a:cs typeface="Courier New" panose="02070309020205020404" pitchFamily="49" charset="0"/>
+              </a:rPr>
+              <a:t> = '</a:t>
+            </a:r>
+            <a:r>
+              <a:rPr kumimoji="0" lang="ko-KR" altLang="ko-KR" sz="1200" b="0" i="0" u="none" strike="noStrike" cap="none" normalizeH="0" baseline="0" dirty="0">
                 <a:ln>
                   <a:noFill/>
                 </a:ln>
@@ -5149,21 +5749,63 @@
               <a:t>, </a:t>
             </a:r>
             <a:r>
-              <a:rPr kumimoji="0" lang="ko-KR" altLang="ko-KR" sz="1200" b="0" i="0" u="none" strike="noStrike" cap="none" normalizeH="0" baseline="0">
-                <a:ln>
-                  <a:noFill/>
-                </a:ln>
-                <a:solidFill>
-                  <a:srgbClr val="A9B7C6"/>
-                </a:solidFill>
-                <a:effectLst/>
-                <a:latin typeface="Courier New" panose="02070309020205020404" pitchFamily="49" charset="0"/>
-                <a:cs typeface="Courier New" panose="02070309020205020404" pitchFamily="49" charset="0"/>
-              </a:rPr>
-              <a:t>a % b)</a:t>
+              <a:rPr kumimoji="0" lang="ko-KR" altLang="ko-KR" sz="1200" b="0" i="0" u="none" strike="noStrike" cap="none" normalizeH="0" baseline="0" dirty="0" err="1">
+                <a:ln>
+                  <a:noFill/>
+                </a:ln>
+                <a:solidFill>
+                  <a:srgbClr val="A9B7C6"/>
+                </a:solidFill>
+                <a:effectLst/>
+                <a:latin typeface="Courier New" panose="02070309020205020404" pitchFamily="49" charset="0"/>
+                <a:cs typeface="Courier New" panose="02070309020205020404" pitchFamily="49" charset="0"/>
+              </a:rPr>
+              <a:t>a</a:t>
+            </a:r>
+            <a:r>
+              <a:rPr kumimoji="0" lang="ko-KR" altLang="ko-KR" sz="1200" b="0" i="0" u="none" strike="noStrike" cap="none" normalizeH="0" baseline="0" dirty="0">
+                <a:ln>
+                  <a:noFill/>
+                </a:ln>
+                <a:solidFill>
+                  <a:srgbClr val="A9B7C6"/>
+                </a:solidFill>
+                <a:effectLst/>
+                <a:latin typeface="Courier New" panose="02070309020205020404" pitchFamily="49" charset="0"/>
+                <a:cs typeface="Courier New" panose="02070309020205020404" pitchFamily="49" charset="0"/>
+              </a:rPr>
+              <a:t> % </a:t>
+            </a:r>
+            <a:r>
+              <a:rPr kumimoji="0" lang="ko-KR" altLang="ko-KR" sz="1200" b="0" i="0" u="none" strike="noStrike" cap="none" normalizeH="0" baseline="0" dirty="0" err="1">
+                <a:ln>
+                  <a:noFill/>
+                </a:ln>
+                <a:solidFill>
+                  <a:srgbClr val="A9B7C6"/>
+                </a:solidFill>
+                <a:effectLst/>
+                <a:latin typeface="Courier New" panose="02070309020205020404" pitchFamily="49" charset="0"/>
+                <a:cs typeface="Courier New" panose="02070309020205020404" pitchFamily="49" charset="0"/>
+              </a:rPr>
+              <a:t>b</a:t>
+            </a:r>
+            <a:r>
+              <a:rPr kumimoji="0" lang="ko-KR" altLang="ko-KR" sz="1200" b="0" i="0" u="none" strike="noStrike" cap="none" normalizeH="0" baseline="0" dirty="0">
+                <a:ln>
+                  <a:noFill/>
+                </a:ln>
+                <a:solidFill>
+                  <a:srgbClr val="A9B7C6"/>
+                </a:solidFill>
+                <a:effectLst/>
+                <a:latin typeface="Courier New" panose="02070309020205020404" pitchFamily="49" charset="0"/>
+                <a:cs typeface="Courier New" panose="02070309020205020404" pitchFamily="49" charset="0"/>
+              </a:rPr>
+              <a:t>)</a:t>
             </a:r>
             <a:br>
-              <a:rPr kumimoji="0" lang="ko-KR" altLang="ko-KR" sz="1200" b="0" i="0" u="none" strike="noStrike" cap="none" normalizeH="0" baseline="0">
+              <a:rPr kumimoji="0" lang="ko-KR" altLang="ko-KR" sz="1200" b="0" i="0" u="none" strike="noStrike" cap="none" normalizeH="0" baseline="0" dirty="0">
                 <a:ln>
                   <a:noFill/>
                 </a:ln>
@@ -5176,21 +5818,35 @@
               </a:rPr>
             </a:br>
             <a:r>
-              <a:rPr kumimoji="0" lang="ko-KR" altLang="ko-KR" sz="1200" b="0" i="0" u="none" strike="noStrike" cap="none" normalizeH="0" baseline="0">
-                <a:ln>
-                  <a:noFill/>
-                </a:ln>
-                <a:solidFill>
-                  <a:srgbClr val="A9B7C6"/>
-                </a:solidFill>
-                <a:effectLst/>
-                <a:latin typeface="Courier New" panose="02070309020205020404" pitchFamily="49" charset="0"/>
-                <a:cs typeface="Courier New" panose="02070309020205020404" pitchFamily="49" charset="0"/>
-              </a:rPr>
-              <a:t>print(</a:t>
-            </a:r>
-            <a:r>
-              <a:rPr kumimoji="0" lang="ko-KR" altLang="ko-KR" sz="1200" b="0" i="0" u="none" strike="noStrike" cap="none" normalizeH="0" baseline="0">
+              <a:rPr kumimoji="0" lang="ko-KR" altLang="ko-KR" sz="1200" b="0" i="0" u="none" strike="noStrike" cap="none" normalizeH="0" baseline="0" dirty="0" err="1">
+                <a:ln>
+                  <a:noFill/>
+                </a:ln>
+                <a:solidFill>
+                  <a:srgbClr val="A9B7C6"/>
+                </a:solidFill>
+                <a:effectLst/>
+                <a:latin typeface="Courier New" panose="02070309020205020404" pitchFamily="49" charset="0"/>
+                <a:cs typeface="Courier New" panose="02070309020205020404" pitchFamily="49" charset="0"/>
+              </a:rPr>
+              <a:t>print</a:t>
+            </a:r>
+            <a:r>
+              <a:rPr kumimoji="0" lang="ko-KR" altLang="ko-KR" sz="1200" b="0" i="0" u="none" strike="noStrike" cap="none" normalizeH="0" baseline="0" dirty="0">
+                <a:ln>
+                  <a:noFill/>
+                </a:ln>
+                <a:solidFill>
+                  <a:srgbClr val="A9B7C6"/>
+                </a:solidFill>
+                <a:effectLst/>
+                <a:latin typeface="Courier New" panose="02070309020205020404" pitchFamily="49" charset="0"/>
+                <a:cs typeface="Courier New" panose="02070309020205020404" pitchFamily="49" charset="0"/>
+              </a:rPr>
+              <a:t>(</a:t>
+            </a:r>
+            <a:r>
+              <a:rPr kumimoji="0" lang="ko-KR" altLang="ko-KR" sz="1200" b="0" i="0" u="none" strike="noStrike" cap="none" normalizeH="0" baseline="0" dirty="0">
                 <a:ln>
                   <a:noFill/>
                 </a:ln>
@@ -5201,10 +5857,66 @@
                 <a:latin typeface="Courier New" panose="02070309020205020404" pitchFamily="49" charset="0"/>
                 <a:cs typeface="Courier New" panose="02070309020205020404" pitchFamily="49" charset="0"/>
               </a:rPr>
-              <a:t>'a // b = '</a:t>
-            </a:r>
-            <a:r>
-              <a:rPr kumimoji="0" lang="ko-KR" altLang="ko-KR" sz="1200" b="0" i="0" u="none" strike="noStrike" cap="none" normalizeH="0" baseline="0">
+              <a:t>'</a:t>
+            </a:r>
+            <a:r>
+              <a:rPr kumimoji="0" lang="ko-KR" altLang="ko-KR" sz="1200" b="0" i="0" u="none" strike="noStrike" cap="none" normalizeH="0" baseline="0" dirty="0" err="1">
+                <a:ln>
+                  <a:noFill/>
+                </a:ln>
+                <a:solidFill>
+                  <a:srgbClr val="6A8759"/>
+                </a:solidFill>
+                <a:effectLst/>
+                <a:latin typeface="Courier New" panose="02070309020205020404" pitchFamily="49" charset="0"/>
+                <a:cs typeface="Courier New" panose="02070309020205020404" pitchFamily="49" charset="0"/>
+              </a:rPr>
+              <a:t>a</a:t>
+            </a:r>
+            <a:r>
+              <a:rPr kumimoji="0" lang="ko-KR" altLang="ko-KR" sz="1200" b="0" i="0" u="none" strike="noStrike" cap="none" normalizeH="0" baseline="0" dirty="0">
+                <a:ln>
+                  <a:noFill/>
+                </a:ln>
+                <a:solidFill>
+                  <a:srgbClr val="6A8759"/>
+                </a:solidFill>
+                <a:effectLst/>
+                <a:latin typeface="Courier New" panose="02070309020205020404" pitchFamily="49" charset="0"/>
+                <a:cs typeface="Courier New" panose="02070309020205020404" pitchFamily="49" charset="0"/>
+              </a:rPr>
+              <a:t> // </a:t>
+            </a:r>
+            <a:r>
+              <a:rPr kumimoji="0" lang="ko-KR" altLang="ko-KR" sz="1200" b="0" i="0" u="none" strike="noStrike" cap="none" normalizeH="0" baseline="0" dirty="0" err="1">
+                <a:ln>
+                  <a:noFill/>
+                </a:ln>
+                <a:solidFill>
+                  <a:srgbClr val="6A8759"/>
+                </a:solidFill>
+                <a:effectLst/>
+                <a:latin typeface="Courier New" panose="02070309020205020404" pitchFamily="49" charset="0"/>
+                <a:cs typeface="Courier New" panose="02070309020205020404" pitchFamily="49" charset="0"/>
+              </a:rPr>
+              <a:t>b</a:t>
+            </a:r>
+            <a:r>
+              <a:rPr kumimoji="0" lang="ko-KR" altLang="ko-KR" sz="1200" b="0" i="0" u="none" strike="noStrike" cap="none" normalizeH="0" baseline="0" dirty="0">
+                <a:ln>
+                  <a:noFill/>
+                </a:ln>
+                <a:solidFill>
+                  <a:srgbClr val="6A8759"/>
+                </a:solidFill>
+                <a:effectLst/>
+                <a:latin typeface="Courier New" panose="02070309020205020404" pitchFamily="49" charset="0"/>
+                <a:cs typeface="Courier New" panose="02070309020205020404" pitchFamily="49" charset="0"/>
+              </a:rPr>
+              <a:t> = '</a:t>
+            </a:r>
+            <a:r>
+              <a:rPr kumimoji="0" lang="ko-KR" altLang="ko-KR" sz="1200" b="0" i="0" u="none" strike="noStrike" cap="none" normalizeH="0" baseline="0" dirty="0">
                 <a:ln>
                   <a:noFill/>
                 </a:ln>
@@ -5218,21 +5930,63 @@
               <a:t>, </a:t>
             </a:r>
             <a:r>
-              <a:rPr kumimoji="0" lang="ko-KR" altLang="ko-KR" sz="1200" b="0" i="0" u="none" strike="noStrike" cap="none" normalizeH="0" baseline="0">
-                <a:ln>
-                  <a:noFill/>
-                </a:ln>
-                <a:solidFill>
-                  <a:srgbClr val="A9B7C6"/>
-                </a:solidFill>
-                <a:effectLst/>
-                <a:latin typeface="Courier New" panose="02070309020205020404" pitchFamily="49" charset="0"/>
-                <a:cs typeface="Courier New" panose="02070309020205020404" pitchFamily="49" charset="0"/>
-              </a:rPr>
-              <a:t>a // b)</a:t>
+              <a:rPr kumimoji="0" lang="ko-KR" altLang="ko-KR" sz="1200" b="0" i="0" u="none" strike="noStrike" cap="none" normalizeH="0" baseline="0" dirty="0" err="1">
+                <a:ln>
+                  <a:noFill/>
+                </a:ln>
+                <a:solidFill>
+                  <a:srgbClr val="A9B7C6"/>
+                </a:solidFill>
+                <a:effectLst/>
+                <a:latin typeface="Courier New" panose="02070309020205020404" pitchFamily="49" charset="0"/>
+                <a:cs typeface="Courier New" panose="02070309020205020404" pitchFamily="49" charset="0"/>
+              </a:rPr>
+              <a:t>a</a:t>
+            </a:r>
+            <a:r>
+              <a:rPr kumimoji="0" lang="ko-KR" altLang="ko-KR" sz="1200" b="0" i="0" u="none" strike="noStrike" cap="none" normalizeH="0" baseline="0" dirty="0">
+                <a:ln>
+                  <a:noFill/>
+                </a:ln>
+                <a:solidFill>
+                  <a:srgbClr val="A9B7C6"/>
+                </a:solidFill>
+                <a:effectLst/>
+                <a:latin typeface="Courier New" panose="02070309020205020404" pitchFamily="49" charset="0"/>
+                <a:cs typeface="Courier New" panose="02070309020205020404" pitchFamily="49" charset="0"/>
+              </a:rPr>
+              <a:t> // </a:t>
+            </a:r>
+            <a:r>
+              <a:rPr kumimoji="0" lang="ko-KR" altLang="ko-KR" sz="1200" b="0" i="0" u="none" strike="noStrike" cap="none" normalizeH="0" baseline="0" dirty="0" err="1">
+                <a:ln>
+                  <a:noFill/>
+                </a:ln>
+                <a:solidFill>
+                  <a:srgbClr val="A9B7C6"/>
+                </a:solidFill>
+                <a:effectLst/>
+                <a:latin typeface="Courier New" panose="02070309020205020404" pitchFamily="49" charset="0"/>
+                <a:cs typeface="Courier New" panose="02070309020205020404" pitchFamily="49" charset="0"/>
+              </a:rPr>
+              <a:t>b</a:t>
+            </a:r>
+            <a:r>
+              <a:rPr kumimoji="0" lang="ko-KR" altLang="ko-KR" sz="1200" b="0" i="0" u="none" strike="noStrike" cap="none" normalizeH="0" baseline="0" dirty="0">
+                <a:ln>
+                  <a:noFill/>
+                </a:ln>
+                <a:solidFill>
+                  <a:srgbClr val="A9B7C6"/>
+                </a:solidFill>
+                <a:effectLst/>
+                <a:latin typeface="Courier New" panose="02070309020205020404" pitchFamily="49" charset="0"/>
+                <a:cs typeface="Courier New" panose="02070309020205020404" pitchFamily="49" charset="0"/>
+              </a:rPr>
+              <a:t>)</a:t>
             </a:r>
             <a:br>
-              <a:rPr kumimoji="0" lang="ko-KR" altLang="ko-KR" sz="1200" b="0" i="0" u="none" strike="noStrike" cap="none" normalizeH="0" baseline="0">
+              <a:rPr kumimoji="0" lang="ko-KR" altLang="ko-KR" sz="1200" b="0" i="0" u="none" strike="noStrike" cap="none" normalizeH="0" baseline="0" dirty="0">
                 <a:ln>
                   <a:noFill/>
                 </a:ln>
@@ -5245,21 +5999,35 @@
               </a:rPr>
             </a:br>
             <a:r>
-              <a:rPr kumimoji="0" lang="ko-KR" altLang="ko-KR" sz="1200" b="0" i="0" u="none" strike="noStrike" cap="none" normalizeH="0" baseline="0">
-                <a:ln>
-                  <a:noFill/>
-                </a:ln>
-                <a:solidFill>
-                  <a:srgbClr val="A9B7C6"/>
-                </a:solidFill>
-                <a:effectLst/>
-                <a:latin typeface="Courier New" panose="02070309020205020404" pitchFamily="49" charset="0"/>
-                <a:cs typeface="Courier New" panose="02070309020205020404" pitchFamily="49" charset="0"/>
-              </a:rPr>
-              <a:t>print(</a:t>
-            </a:r>
-            <a:r>
-              <a:rPr kumimoji="0" lang="ko-KR" altLang="ko-KR" sz="1200" b="0" i="0" u="none" strike="noStrike" cap="none" normalizeH="0" baseline="0">
+              <a:rPr kumimoji="0" lang="ko-KR" altLang="ko-KR" sz="1200" b="0" i="0" u="none" strike="noStrike" cap="none" normalizeH="0" baseline="0" dirty="0" err="1">
+                <a:ln>
+                  <a:noFill/>
+                </a:ln>
+                <a:solidFill>
+                  <a:srgbClr val="A9B7C6"/>
+                </a:solidFill>
+                <a:effectLst/>
+                <a:latin typeface="Courier New" panose="02070309020205020404" pitchFamily="49" charset="0"/>
+                <a:cs typeface="Courier New" panose="02070309020205020404" pitchFamily="49" charset="0"/>
+              </a:rPr>
+              <a:t>print</a:t>
+            </a:r>
+            <a:r>
+              <a:rPr kumimoji="0" lang="ko-KR" altLang="ko-KR" sz="1200" b="0" i="0" u="none" strike="noStrike" cap="none" normalizeH="0" baseline="0" dirty="0">
+                <a:ln>
+                  <a:noFill/>
+                </a:ln>
+                <a:solidFill>
+                  <a:srgbClr val="A9B7C6"/>
+                </a:solidFill>
+                <a:effectLst/>
+                <a:latin typeface="Courier New" panose="02070309020205020404" pitchFamily="49" charset="0"/>
+                <a:cs typeface="Courier New" panose="02070309020205020404" pitchFamily="49" charset="0"/>
+              </a:rPr>
+              <a:t>(</a:t>
+            </a:r>
+            <a:r>
+              <a:rPr kumimoji="0" lang="ko-KR" altLang="ko-KR" sz="1200" b="0" i="0" u="none" strike="noStrike" cap="none" normalizeH="0" baseline="0" dirty="0">
                 <a:ln>
                   <a:noFill/>
                 </a:ln>
@@ -5270,10 +6038,66 @@
                 <a:latin typeface="Courier New" panose="02070309020205020404" pitchFamily="49" charset="0"/>
                 <a:cs typeface="Courier New" panose="02070309020205020404" pitchFamily="49" charset="0"/>
               </a:rPr>
-              <a:t>'a ** b = '</a:t>
-            </a:r>
-            <a:r>
-              <a:rPr kumimoji="0" lang="ko-KR" altLang="ko-KR" sz="1200" b="0" i="0" u="none" strike="noStrike" cap="none" normalizeH="0" baseline="0">
+              <a:t>'</a:t>
+            </a:r>
+            <a:r>
+              <a:rPr kumimoji="0" lang="ko-KR" altLang="ko-KR" sz="1200" b="0" i="0" u="none" strike="noStrike" cap="none" normalizeH="0" baseline="0" dirty="0" err="1">
+                <a:ln>
+                  <a:noFill/>
+                </a:ln>
+                <a:solidFill>
+                  <a:srgbClr val="6A8759"/>
+                </a:solidFill>
+                <a:effectLst/>
+                <a:latin typeface="Courier New" panose="02070309020205020404" pitchFamily="49" charset="0"/>
+                <a:cs typeface="Courier New" panose="02070309020205020404" pitchFamily="49" charset="0"/>
+              </a:rPr>
+              <a:t>a</a:t>
+            </a:r>
+            <a:r>
+              <a:rPr kumimoji="0" lang="ko-KR" altLang="ko-KR" sz="1200" b="0" i="0" u="none" strike="noStrike" cap="none" normalizeH="0" baseline="0" dirty="0">
+                <a:ln>
+                  <a:noFill/>
+                </a:ln>
+                <a:solidFill>
+                  <a:srgbClr val="6A8759"/>
+                </a:solidFill>
+                <a:effectLst/>
+                <a:latin typeface="Courier New" panose="02070309020205020404" pitchFamily="49" charset="0"/>
+                <a:cs typeface="Courier New" panose="02070309020205020404" pitchFamily="49" charset="0"/>
+              </a:rPr>
+              <a:t> ** </a:t>
+            </a:r>
+            <a:r>
+              <a:rPr kumimoji="0" lang="ko-KR" altLang="ko-KR" sz="1200" b="0" i="0" u="none" strike="noStrike" cap="none" normalizeH="0" baseline="0" dirty="0" err="1">
+                <a:ln>
+                  <a:noFill/>
+                </a:ln>
+                <a:solidFill>
+                  <a:srgbClr val="6A8759"/>
+                </a:solidFill>
+                <a:effectLst/>
+                <a:latin typeface="Courier New" panose="02070309020205020404" pitchFamily="49" charset="0"/>
+                <a:cs typeface="Courier New" panose="02070309020205020404" pitchFamily="49" charset="0"/>
+              </a:rPr>
+              <a:t>b</a:t>
+            </a:r>
+            <a:r>
+              <a:rPr kumimoji="0" lang="ko-KR" altLang="ko-KR" sz="1200" b="0" i="0" u="none" strike="noStrike" cap="none" normalizeH="0" baseline="0" dirty="0">
+                <a:ln>
+                  <a:noFill/>
+                </a:ln>
+                <a:solidFill>
+                  <a:srgbClr val="6A8759"/>
+                </a:solidFill>
+                <a:effectLst/>
+                <a:latin typeface="Courier New" panose="02070309020205020404" pitchFamily="49" charset="0"/>
+                <a:cs typeface="Courier New" panose="02070309020205020404" pitchFamily="49" charset="0"/>
+              </a:rPr>
+              <a:t> = '</a:t>
+            </a:r>
+            <a:r>
+              <a:rPr kumimoji="0" lang="ko-KR" altLang="ko-KR" sz="1200" b="0" i="0" u="none" strike="noStrike" cap="none" normalizeH="0" baseline="0" dirty="0">
                 <a:ln>
                   <a:noFill/>
                 </a:ln>
@@ -5287,20 +6111,62 @@
               <a:t>, </a:t>
             </a:r>
             <a:r>
-              <a:rPr kumimoji="0" lang="ko-KR" altLang="ko-KR" sz="1200" b="0" i="0" u="none" strike="noStrike" cap="none" normalizeH="0" baseline="0">
-                <a:ln>
-                  <a:noFill/>
-                </a:ln>
-                <a:solidFill>
-                  <a:srgbClr val="A9B7C6"/>
-                </a:solidFill>
-                <a:effectLst/>
-                <a:latin typeface="Courier New" panose="02070309020205020404" pitchFamily="49" charset="0"/>
-                <a:cs typeface="Courier New" panose="02070309020205020404" pitchFamily="49" charset="0"/>
-              </a:rPr>
-              <a:t>a ** b)</a:t>
-            </a:r>
-            <a:endParaRPr kumimoji="0" lang="ko-KR" altLang="ko-KR" sz="1800" b="0" i="0" u="none" strike="noStrike" cap="none" normalizeH="0" baseline="0">
+              <a:rPr kumimoji="0" lang="ko-KR" altLang="ko-KR" sz="1200" b="0" i="0" u="none" strike="noStrike" cap="none" normalizeH="0" baseline="0" dirty="0" err="1">
+                <a:ln>
+                  <a:noFill/>
+                </a:ln>
+                <a:solidFill>
+                  <a:srgbClr val="A9B7C6"/>
+                </a:solidFill>
+                <a:effectLst/>
+                <a:latin typeface="Courier New" panose="02070309020205020404" pitchFamily="49" charset="0"/>
+                <a:cs typeface="Courier New" panose="02070309020205020404" pitchFamily="49" charset="0"/>
+              </a:rPr>
+              <a:t>a</a:t>
+            </a:r>
+            <a:r>
+              <a:rPr kumimoji="0" lang="ko-KR" altLang="ko-KR" sz="1200" b="0" i="0" u="none" strike="noStrike" cap="none" normalizeH="0" baseline="0" dirty="0">
+                <a:ln>
+                  <a:noFill/>
+                </a:ln>
+                <a:solidFill>
+                  <a:srgbClr val="A9B7C6"/>
+                </a:solidFill>
+                <a:effectLst/>
+                <a:latin typeface="Courier New" panose="02070309020205020404" pitchFamily="49" charset="0"/>
+                <a:cs typeface="Courier New" panose="02070309020205020404" pitchFamily="49" charset="0"/>
+              </a:rPr>
+              <a:t> ** </a:t>
+            </a:r>
+            <a:r>
+              <a:rPr kumimoji="0" lang="ko-KR" altLang="ko-KR" sz="1200" b="0" i="0" u="none" strike="noStrike" cap="none" normalizeH="0" baseline="0" dirty="0" err="1">
+                <a:ln>
+                  <a:noFill/>
+                </a:ln>
+                <a:solidFill>
+                  <a:srgbClr val="A9B7C6"/>
+                </a:solidFill>
+                <a:effectLst/>
+                <a:latin typeface="Courier New" panose="02070309020205020404" pitchFamily="49" charset="0"/>
+                <a:cs typeface="Courier New" panose="02070309020205020404" pitchFamily="49" charset="0"/>
+              </a:rPr>
+              <a:t>b</a:t>
+            </a:r>
+            <a:r>
+              <a:rPr kumimoji="0" lang="ko-KR" altLang="ko-KR" sz="1200" b="0" i="0" u="none" strike="noStrike" cap="none" normalizeH="0" baseline="0" dirty="0">
+                <a:ln>
+                  <a:noFill/>
+                </a:ln>
+                <a:solidFill>
+                  <a:srgbClr val="A9B7C6"/>
+                </a:solidFill>
+                <a:effectLst/>
+                <a:latin typeface="Courier New" panose="02070309020205020404" pitchFamily="49" charset="0"/>
+                <a:cs typeface="Courier New" panose="02070309020205020404" pitchFamily="49" charset="0"/>
+              </a:rPr>
+              <a:t>)</a:t>
+            </a:r>
+            <a:endParaRPr kumimoji="0" lang="ko-KR" altLang="ko-KR" sz="1800" b="0" i="0" u="none" strike="noStrike" cap="none" normalizeH="0" baseline="0" dirty="0">
               <a:ln>
                 <a:noFill/>
               </a:ln>
@@ -5322,10 +6188,17 @@
     <mc:Choice Requires="p14">
       <p:transition/>
     </mc:Choice>
-    <mc:Fallback xmlns="" xmlns:c="http://schemas.openxmlformats.org/drawingml/2006/chart" xmlns:dgm="http://schemas.openxmlformats.org/drawingml/2006/diagram" xmlns:dsp="http://schemas.microsoft.com/office/drawing/2008/diagram">
+    <mc:Fallback xmlns:dsp="http://schemas.microsoft.com/office/drawing/2008/diagram" xmlns:dgm="http://schemas.openxmlformats.org/drawingml/2006/diagram" xmlns:c="http://schemas.openxmlformats.org/drawingml/2006/chart" xmlns="">
       <p:transition/>
     </mc:Fallback>
   </mc:AlternateContent>
+  <p:timing>
+    <p:tnLst>
+      <p:par>
+        <p:cTn id="1" dur="indefinite" restart="never" nodeType="tmRoot"/>
+      </p:par>
+    </p:tnLst>
+  </p:timing>
 </p:sld>
 </file>
 
@@ -5410,6 +6283,10 @@
               </a:rPr>
               <a:t>크다</a:t>
             </a:r>
+            <a:r>
+              <a:rPr lang="ko-KR" altLang="en-US" dirty="0"/>
+              <a:t/>
+            </a:r>
             <a:br>
               <a:rPr lang="ko-KR" altLang="en-US" dirty="0"/>
             </a:br>
@@ -5429,6 +6306,10 @@
               </a:rPr>
               <a:t>크거나 같다</a:t>
             </a:r>
+            <a:r>
+              <a:rPr lang="ko-KR" altLang="en-US" dirty="0"/>
+              <a:t/>
+            </a:r>
             <a:br>
               <a:rPr lang="ko-KR" altLang="en-US" dirty="0"/>
             </a:br>
@@ -5448,6 +6329,10 @@
               </a:rPr>
               <a:t>작다</a:t>
             </a:r>
+            <a:r>
+              <a:rPr lang="ko-KR" altLang="en-US" dirty="0"/>
+              <a:t/>
+            </a:r>
             <a:br>
               <a:rPr lang="ko-KR" altLang="en-US" dirty="0"/>
             </a:br>
@@ -5467,6 +6352,10 @@
               </a:rPr>
               <a:t>작거나 같다</a:t>
             </a:r>
+            <a:r>
+              <a:rPr lang="ko-KR" altLang="en-US" dirty="0"/>
+              <a:t/>
+            </a:r>
             <a:br>
               <a:rPr lang="ko-KR" altLang="en-US" dirty="0"/>
             </a:br>
@@ -5485,6 +6374,10 @@
                 <a:ea typeface="Malgun Gothic" panose="020B0503020000020004" pitchFamily="50" charset="-127"/>
               </a:rPr>
               <a:t>같다</a:t>
+            </a:r>
+            <a:r>
+              <a:rPr lang="ko-KR" altLang="en-US" dirty="0"/>
+              <a:t/>
             </a:r>
             <a:br>
               <a:rPr lang="ko-KR" altLang="en-US" dirty="0"/>
@@ -5890,7 +6783,7 @@
               <a:tabLst/>
             </a:pPr>
             <a:r>
-              <a:rPr kumimoji="0" lang="ko-KR" altLang="ko-KR" sz="1200" b="0" i="0" u="none" strike="noStrike" cap="none" normalizeH="0" baseline="0">
+              <a:rPr kumimoji="0" lang="ko-KR" altLang="ko-KR" sz="1200" b="0" i="0" u="none" strike="noStrike" cap="none" normalizeH="0" baseline="0" dirty="0">
                 <a:ln>
                   <a:noFill/>
                 </a:ln>
@@ -5904,7 +6797,7 @@
               <a:t># </a:t>
             </a:r>
             <a:r>
-              <a:rPr kumimoji="0" lang="ko-KR" altLang="ko-KR" sz="1200" b="0" i="0" u="none" strike="noStrike" cap="none" normalizeH="0" baseline="0">
+              <a:rPr kumimoji="0" lang="ko-KR" altLang="ko-KR" sz="1200" b="0" i="0" u="none" strike="noStrike" cap="none" normalizeH="0" baseline="0" dirty="0">
                 <a:ln>
                   <a:noFill/>
                 </a:ln>
@@ -5919,7 +6812,7 @@
               <a:t>관계 연산자</a:t>
             </a:r>
             <a:br>
-              <a:rPr kumimoji="0" lang="ko-KR" altLang="ko-KR" sz="1200" b="0" i="0" u="none" strike="noStrike" cap="none" normalizeH="0" baseline="0">
+              <a:rPr kumimoji="0" lang="ko-KR" altLang="ko-KR" sz="1200" b="0" i="0" u="none" strike="noStrike" cap="none" normalizeH="0" baseline="0" dirty="0">
                 <a:ln>
                   <a:noFill/>
                 </a:ln>
@@ -5933,21 +6826,35 @@
               </a:rPr>
             </a:br>
             <a:r>
-              <a:rPr kumimoji="0" lang="ko-KR" altLang="ko-KR" sz="1200" b="0" i="0" u="none" strike="noStrike" cap="none" normalizeH="0" baseline="0">
-                <a:ln>
-                  <a:noFill/>
-                </a:ln>
-                <a:solidFill>
-                  <a:srgbClr val="A9B7C6"/>
-                </a:solidFill>
-                <a:effectLst/>
-                <a:latin typeface="Courier New" panose="02070309020205020404" pitchFamily="49" charset="0"/>
-                <a:cs typeface="Courier New" panose="02070309020205020404" pitchFamily="49" charset="0"/>
-              </a:rPr>
-              <a:t>a = </a:t>
-            </a:r>
-            <a:r>
-              <a:rPr kumimoji="0" lang="ko-KR" altLang="ko-KR" sz="1200" b="0" i="0" u="none" strike="noStrike" cap="none" normalizeH="0" baseline="0">
+              <a:rPr kumimoji="0" lang="ko-KR" altLang="ko-KR" sz="1200" b="0" i="0" u="none" strike="noStrike" cap="none" normalizeH="0" baseline="0" dirty="0" err="1">
+                <a:ln>
+                  <a:noFill/>
+                </a:ln>
+                <a:solidFill>
+                  <a:srgbClr val="A9B7C6"/>
+                </a:solidFill>
+                <a:effectLst/>
+                <a:latin typeface="Courier New" panose="02070309020205020404" pitchFamily="49" charset="0"/>
+                <a:cs typeface="Courier New" panose="02070309020205020404" pitchFamily="49" charset="0"/>
+              </a:rPr>
+              <a:t>a</a:t>
+            </a:r>
+            <a:r>
+              <a:rPr kumimoji="0" lang="ko-KR" altLang="ko-KR" sz="1200" b="0" i="0" u="none" strike="noStrike" cap="none" normalizeH="0" baseline="0" dirty="0">
+                <a:ln>
+                  <a:noFill/>
+                </a:ln>
+                <a:solidFill>
+                  <a:srgbClr val="A9B7C6"/>
+                </a:solidFill>
+                <a:effectLst/>
+                <a:latin typeface="Courier New" panose="02070309020205020404" pitchFamily="49" charset="0"/>
+                <a:cs typeface="Courier New" panose="02070309020205020404" pitchFamily="49" charset="0"/>
+              </a:rPr>
+              <a:t> = </a:t>
+            </a:r>
+            <a:r>
+              <a:rPr kumimoji="0" lang="ko-KR" altLang="ko-KR" sz="1200" b="0" i="0" u="none" strike="noStrike" cap="none" normalizeH="0" baseline="0" dirty="0">
                 <a:ln>
                   <a:noFill/>
                 </a:ln>
@@ -5961,7 +6868,7 @@
               <a:t>10</a:t>
             </a:r>
             <a:br>
-              <a:rPr kumimoji="0" lang="ko-KR" altLang="ko-KR" sz="1200" b="0" i="0" u="none" strike="noStrike" cap="none" normalizeH="0" baseline="0">
+              <a:rPr kumimoji="0" lang="ko-KR" altLang="ko-KR" sz="1200" b="0" i="0" u="none" strike="noStrike" cap="none" normalizeH="0" baseline="0" dirty="0">
                 <a:ln>
                   <a:noFill/>
                 </a:ln>
@@ -5974,21 +6881,35 @@
               </a:rPr>
             </a:br>
             <a:r>
-              <a:rPr kumimoji="0" lang="ko-KR" altLang="ko-KR" sz="1200" b="0" i="0" u="none" strike="noStrike" cap="none" normalizeH="0" baseline="0">
-                <a:ln>
-                  <a:noFill/>
-                </a:ln>
-                <a:solidFill>
-                  <a:srgbClr val="A9B7C6"/>
-                </a:solidFill>
-                <a:effectLst/>
-                <a:latin typeface="Courier New" panose="02070309020205020404" pitchFamily="49" charset="0"/>
-                <a:cs typeface="Courier New" panose="02070309020205020404" pitchFamily="49" charset="0"/>
-              </a:rPr>
-              <a:t>b = </a:t>
-            </a:r>
-            <a:r>
-              <a:rPr kumimoji="0" lang="ko-KR" altLang="ko-KR" sz="1200" b="0" i="0" u="none" strike="noStrike" cap="none" normalizeH="0" baseline="0">
+              <a:rPr kumimoji="0" lang="ko-KR" altLang="ko-KR" sz="1200" b="0" i="0" u="none" strike="noStrike" cap="none" normalizeH="0" baseline="0" dirty="0" err="1">
+                <a:ln>
+                  <a:noFill/>
+                </a:ln>
+                <a:solidFill>
+                  <a:srgbClr val="A9B7C6"/>
+                </a:solidFill>
+                <a:effectLst/>
+                <a:latin typeface="Courier New" panose="02070309020205020404" pitchFamily="49" charset="0"/>
+                <a:cs typeface="Courier New" panose="02070309020205020404" pitchFamily="49" charset="0"/>
+              </a:rPr>
+              <a:t>b</a:t>
+            </a:r>
+            <a:r>
+              <a:rPr kumimoji="0" lang="ko-KR" altLang="ko-KR" sz="1200" b="0" i="0" u="none" strike="noStrike" cap="none" normalizeH="0" baseline="0" dirty="0">
+                <a:ln>
+                  <a:noFill/>
+                </a:ln>
+                <a:solidFill>
+                  <a:srgbClr val="A9B7C6"/>
+                </a:solidFill>
+                <a:effectLst/>
+                <a:latin typeface="Courier New" panose="02070309020205020404" pitchFamily="49" charset="0"/>
+                <a:cs typeface="Courier New" panose="02070309020205020404" pitchFamily="49" charset="0"/>
+              </a:rPr>
+              <a:t> = </a:t>
+            </a:r>
+            <a:r>
+              <a:rPr kumimoji="0" lang="ko-KR" altLang="ko-KR" sz="1200" b="0" i="0" u="none" strike="noStrike" cap="none" normalizeH="0" baseline="0" dirty="0">
                 <a:ln>
                   <a:noFill/>
                 </a:ln>
@@ -6002,7 +6923,7 @@
               <a:t>3</a:t>
             </a:r>
             <a:br>
-              <a:rPr kumimoji="0" lang="ko-KR" altLang="ko-KR" sz="1200" b="0" i="0" u="none" strike="noStrike" cap="none" normalizeH="0" baseline="0">
+              <a:rPr kumimoji="0" lang="ko-KR" altLang="ko-KR" sz="1200" b="0" i="0" u="none" strike="noStrike" cap="none" normalizeH="0" baseline="0" dirty="0">
                 <a:ln>
                   <a:noFill/>
                 </a:ln>
@@ -6014,8 +6935,22 @@
                 <a:cs typeface="Courier New" panose="02070309020205020404" pitchFamily="49" charset="0"/>
               </a:rPr>
             </a:br>
+            <a:r>
+              <a:rPr kumimoji="0" lang="ko-KR" altLang="ko-KR" sz="1200" b="0" i="0" u="none" strike="noStrike" cap="none" normalizeH="0" baseline="0" dirty="0">
+                <a:ln>
+                  <a:noFill/>
+                </a:ln>
+                <a:solidFill>
+                  <a:srgbClr val="6897BB"/>
+                </a:solidFill>
+                <a:effectLst/>
+                <a:latin typeface="Courier New" panose="02070309020205020404" pitchFamily="49" charset="0"/>
+                <a:cs typeface="Courier New" panose="02070309020205020404" pitchFamily="49" charset="0"/>
+              </a:rPr>
+              <a:t/>
+            </a:r>
             <a:br>
-              <a:rPr kumimoji="0" lang="ko-KR" altLang="ko-KR" sz="1200" b="0" i="0" u="none" strike="noStrike" cap="none" normalizeH="0" baseline="0">
+              <a:rPr kumimoji="0" lang="ko-KR" altLang="ko-KR" sz="1200" b="0" i="0" u="none" strike="noStrike" cap="none" normalizeH="0" baseline="0" dirty="0">
                 <a:ln>
                   <a:noFill/>
                 </a:ln>
@@ -6028,21 +6963,91 @@
               </a:rPr>
             </a:br>
             <a:r>
-              <a:rPr kumimoji="0" lang="ko-KR" altLang="ko-KR" sz="1200" b="0" i="0" u="none" strike="noStrike" cap="none" normalizeH="0" baseline="0">
-                <a:ln>
-                  <a:noFill/>
-                </a:ln>
-                <a:solidFill>
-                  <a:srgbClr val="A9B7C6"/>
-                </a:solidFill>
-                <a:effectLst/>
-                <a:latin typeface="Courier New" panose="02070309020205020404" pitchFamily="49" charset="0"/>
-                <a:cs typeface="Courier New" panose="02070309020205020404" pitchFamily="49" charset="0"/>
-              </a:rPr>
-              <a:t>print(a &gt; b)</a:t>
+              <a:rPr kumimoji="0" lang="ko-KR" altLang="ko-KR" sz="1200" b="0" i="0" u="none" strike="noStrike" cap="none" normalizeH="0" baseline="0" dirty="0" err="1">
+                <a:ln>
+                  <a:noFill/>
+                </a:ln>
+                <a:solidFill>
+                  <a:srgbClr val="A9B7C6"/>
+                </a:solidFill>
+                <a:effectLst/>
+                <a:latin typeface="Courier New" panose="02070309020205020404" pitchFamily="49" charset="0"/>
+                <a:cs typeface="Courier New" panose="02070309020205020404" pitchFamily="49" charset="0"/>
+              </a:rPr>
+              <a:t>print</a:t>
+            </a:r>
+            <a:r>
+              <a:rPr kumimoji="0" lang="ko-KR" altLang="ko-KR" sz="1200" b="0" i="0" u="none" strike="noStrike" cap="none" normalizeH="0" baseline="0" dirty="0">
+                <a:ln>
+                  <a:noFill/>
+                </a:ln>
+                <a:solidFill>
+                  <a:srgbClr val="A9B7C6"/>
+                </a:solidFill>
+                <a:effectLst/>
+                <a:latin typeface="Courier New" panose="02070309020205020404" pitchFamily="49" charset="0"/>
+                <a:cs typeface="Courier New" panose="02070309020205020404" pitchFamily="49" charset="0"/>
+              </a:rPr>
+              <a:t>(</a:t>
+            </a:r>
+            <a:r>
+              <a:rPr kumimoji="0" lang="ko-KR" altLang="ko-KR" sz="1200" b="0" i="0" u="none" strike="noStrike" cap="none" normalizeH="0" baseline="0" dirty="0" err="1">
+                <a:ln>
+                  <a:noFill/>
+                </a:ln>
+                <a:solidFill>
+                  <a:srgbClr val="A9B7C6"/>
+                </a:solidFill>
+                <a:effectLst/>
+                <a:latin typeface="Courier New" panose="02070309020205020404" pitchFamily="49" charset="0"/>
+                <a:cs typeface="Courier New" panose="02070309020205020404" pitchFamily="49" charset="0"/>
+              </a:rPr>
+              <a:t>a</a:t>
+            </a:r>
+            <a:r>
+              <a:rPr kumimoji="0" lang="ko-KR" altLang="ko-KR" sz="1200" b="0" i="0" u="none" strike="noStrike" cap="none" normalizeH="0" baseline="0" dirty="0">
+                <a:ln>
+                  <a:noFill/>
+                </a:ln>
+                <a:solidFill>
+                  <a:srgbClr val="A9B7C6"/>
+                </a:solidFill>
+                <a:effectLst/>
+                <a:latin typeface="Courier New" panose="02070309020205020404" pitchFamily="49" charset="0"/>
+                <a:cs typeface="Courier New" panose="02070309020205020404" pitchFamily="49" charset="0"/>
+              </a:rPr>
+              <a:t> &gt; </a:t>
+            </a:r>
+            <a:r>
+              <a:rPr kumimoji="0" lang="ko-KR" altLang="ko-KR" sz="1200" b="0" i="0" u="none" strike="noStrike" cap="none" normalizeH="0" baseline="0" dirty="0" err="1">
+                <a:ln>
+                  <a:noFill/>
+                </a:ln>
+                <a:solidFill>
+                  <a:srgbClr val="A9B7C6"/>
+                </a:solidFill>
+                <a:effectLst/>
+                <a:latin typeface="Courier New" panose="02070309020205020404" pitchFamily="49" charset="0"/>
+                <a:cs typeface="Courier New" panose="02070309020205020404" pitchFamily="49" charset="0"/>
+              </a:rPr>
+              <a:t>b</a:t>
+            </a:r>
+            <a:r>
+              <a:rPr kumimoji="0" lang="ko-KR" altLang="ko-KR" sz="1200" b="0" i="0" u="none" strike="noStrike" cap="none" normalizeH="0" baseline="0" dirty="0">
+                <a:ln>
+                  <a:noFill/>
+                </a:ln>
+                <a:solidFill>
+                  <a:srgbClr val="A9B7C6"/>
+                </a:solidFill>
+                <a:effectLst/>
+                <a:latin typeface="Courier New" panose="02070309020205020404" pitchFamily="49" charset="0"/>
+                <a:cs typeface="Courier New" panose="02070309020205020404" pitchFamily="49" charset="0"/>
+              </a:rPr>
+              <a:t>)</a:t>
             </a:r>
             <a:br>
-              <a:rPr kumimoji="0" lang="ko-KR" altLang="ko-KR" sz="1200" b="0" i="0" u="none" strike="noStrike" cap="none" normalizeH="0" baseline="0">
+              <a:rPr kumimoji="0" lang="ko-KR" altLang="ko-KR" sz="1200" b="0" i="0" u="none" strike="noStrike" cap="none" normalizeH="0" baseline="0" dirty="0">
                 <a:ln>
                   <a:noFill/>
                 </a:ln>
@@ -6055,21 +7060,91 @@
               </a:rPr>
             </a:br>
             <a:r>
-              <a:rPr kumimoji="0" lang="ko-KR" altLang="ko-KR" sz="1200" b="0" i="0" u="none" strike="noStrike" cap="none" normalizeH="0" baseline="0">
-                <a:ln>
-                  <a:noFill/>
-                </a:ln>
-                <a:solidFill>
-                  <a:srgbClr val="A9B7C6"/>
-                </a:solidFill>
-                <a:effectLst/>
-                <a:latin typeface="Courier New" panose="02070309020205020404" pitchFamily="49" charset="0"/>
-                <a:cs typeface="Courier New" panose="02070309020205020404" pitchFamily="49" charset="0"/>
-              </a:rPr>
-              <a:t>print(a &gt;= b)</a:t>
+              <a:rPr kumimoji="0" lang="ko-KR" altLang="ko-KR" sz="1200" b="0" i="0" u="none" strike="noStrike" cap="none" normalizeH="0" baseline="0" dirty="0" err="1">
+                <a:ln>
+                  <a:noFill/>
+                </a:ln>
+                <a:solidFill>
+                  <a:srgbClr val="A9B7C6"/>
+                </a:solidFill>
+                <a:effectLst/>
+                <a:latin typeface="Courier New" panose="02070309020205020404" pitchFamily="49" charset="0"/>
+                <a:cs typeface="Courier New" panose="02070309020205020404" pitchFamily="49" charset="0"/>
+              </a:rPr>
+              <a:t>print</a:t>
+            </a:r>
+            <a:r>
+              <a:rPr kumimoji="0" lang="ko-KR" altLang="ko-KR" sz="1200" b="0" i="0" u="none" strike="noStrike" cap="none" normalizeH="0" baseline="0" dirty="0">
+                <a:ln>
+                  <a:noFill/>
+                </a:ln>
+                <a:solidFill>
+                  <a:srgbClr val="A9B7C6"/>
+                </a:solidFill>
+                <a:effectLst/>
+                <a:latin typeface="Courier New" panose="02070309020205020404" pitchFamily="49" charset="0"/>
+                <a:cs typeface="Courier New" panose="02070309020205020404" pitchFamily="49" charset="0"/>
+              </a:rPr>
+              <a:t>(</a:t>
+            </a:r>
+            <a:r>
+              <a:rPr kumimoji="0" lang="ko-KR" altLang="ko-KR" sz="1200" b="0" i="0" u="none" strike="noStrike" cap="none" normalizeH="0" baseline="0" dirty="0" err="1">
+                <a:ln>
+                  <a:noFill/>
+                </a:ln>
+                <a:solidFill>
+                  <a:srgbClr val="A9B7C6"/>
+                </a:solidFill>
+                <a:effectLst/>
+                <a:latin typeface="Courier New" panose="02070309020205020404" pitchFamily="49" charset="0"/>
+                <a:cs typeface="Courier New" panose="02070309020205020404" pitchFamily="49" charset="0"/>
+              </a:rPr>
+              <a:t>a</a:t>
+            </a:r>
+            <a:r>
+              <a:rPr kumimoji="0" lang="ko-KR" altLang="ko-KR" sz="1200" b="0" i="0" u="none" strike="noStrike" cap="none" normalizeH="0" baseline="0" dirty="0">
+                <a:ln>
+                  <a:noFill/>
+                </a:ln>
+                <a:solidFill>
+                  <a:srgbClr val="A9B7C6"/>
+                </a:solidFill>
+                <a:effectLst/>
+                <a:latin typeface="Courier New" panose="02070309020205020404" pitchFamily="49" charset="0"/>
+                <a:cs typeface="Courier New" panose="02070309020205020404" pitchFamily="49" charset="0"/>
+              </a:rPr>
+              <a:t> &gt;= </a:t>
+            </a:r>
+            <a:r>
+              <a:rPr kumimoji="0" lang="ko-KR" altLang="ko-KR" sz="1200" b="0" i="0" u="none" strike="noStrike" cap="none" normalizeH="0" baseline="0" dirty="0" err="1">
+                <a:ln>
+                  <a:noFill/>
+                </a:ln>
+                <a:solidFill>
+                  <a:srgbClr val="A9B7C6"/>
+                </a:solidFill>
+                <a:effectLst/>
+                <a:latin typeface="Courier New" panose="02070309020205020404" pitchFamily="49" charset="0"/>
+                <a:cs typeface="Courier New" panose="02070309020205020404" pitchFamily="49" charset="0"/>
+              </a:rPr>
+              <a:t>b</a:t>
+            </a:r>
+            <a:r>
+              <a:rPr kumimoji="0" lang="ko-KR" altLang="ko-KR" sz="1200" b="0" i="0" u="none" strike="noStrike" cap="none" normalizeH="0" baseline="0" dirty="0">
+                <a:ln>
+                  <a:noFill/>
+                </a:ln>
+                <a:solidFill>
+                  <a:srgbClr val="A9B7C6"/>
+                </a:solidFill>
+                <a:effectLst/>
+                <a:latin typeface="Courier New" panose="02070309020205020404" pitchFamily="49" charset="0"/>
+                <a:cs typeface="Courier New" panose="02070309020205020404" pitchFamily="49" charset="0"/>
+              </a:rPr>
+              <a:t>)</a:t>
             </a:r>
             <a:br>
-              <a:rPr kumimoji="0" lang="ko-KR" altLang="ko-KR" sz="1200" b="0" i="0" u="none" strike="noStrike" cap="none" normalizeH="0" baseline="0">
+              <a:rPr kumimoji="0" lang="ko-KR" altLang="ko-KR" sz="1200" b="0" i="0" u="none" strike="noStrike" cap="none" normalizeH="0" baseline="0" dirty="0">
                 <a:ln>
                   <a:noFill/>
                 </a:ln>
@@ -6082,21 +7157,91 @@
               </a:rPr>
             </a:br>
             <a:r>
-              <a:rPr kumimoji="0" lang="ko-KR" altLang="ko-KR" sz="1200" b="0" i="0" u="none" strike="noStrike" cap="none" normalizeH="0" baseline="0">
-                <a:ln>
-                  <a:noFill/>
-                </a:ln>
-                <a:solidFill>
-                  <a:srgbClr val="A9B7C6"/>
-                </a:solidFill>
-                <a:effectLst/>
-                <a:latin typeface="Courier New" panose="02070309020205020404" pitchFamily="49" charset="0"/>
-                <a:cs typeface="Courier New" panose="02070309020205020404" pitchFamily="49" charset="0"/>
-              </a:rPr>
-              <a:t>print(a &lt; b)</a:t>
+              <a:rPr kumimoji="0" lang="ko-KR" altLang="ko-KR" sz="1200" b="0" i="0" u="none" strike="noStrike" cap="none" normalizeH="0" baseline="0" dirty="0" err="1">
+                <a:ln>
+                  <a:noFill/>
+                </a:ln>
+                <a:solidFill>
+                  <a:srgbClr val="A9B7C6"/>
+                </a:solidFill>
+                <a:effectLst/>
+                <a:latin typeface="Courier New" panose="02070309020205020404" pitchFamily="49" charset="0"/>
+                <a:cs typeface="Courier New" panose="02070309020205020404" pitchFamily="49" charset="0"/>
+              </a:rPr>
+              <a:t>print</a:t>
+            </a:r>
+            <a:r>
+              <a:rPr kumimoji="0" lang="ko-KR" altLang="ko-KR" sz="1200" b="0" i="0" u="none" strike="noStrike" cap="none" normalizeH="0" baseline="0" dirty="0">
+                <a:ln>
+                  <a:noFill/>
+                </a:ln>
+                <a:solidFill>
+                  <a:srgbClr val="A9B7C6"/>
+                </a:solidFill>
+                <a:effectLst/>
+                <a:latin typeface="Courier New" panose="02070309020205020404" pitchFamily="49" charset="0"/>
+                <a:cs typeface="Courier New" panose="02070309020205020404" pitchFamily="49" charset="0"/>
+              </a:rPr>
+              <a:t>(</a:t>
+            </a:r>
+            <a:r>
+              <a:rPr kumimoji="0" lang="ko-KR" altLang="ko-KR" sz="1200" b="0" i="0" u="none" strike="noStrike" cap="none" normalizeH="0" baseline="0" dirty="0" err="1">
+                <a:ln>
+                  <a:noFill/>
+                </a:ln>
+                <a:solidFill>
+                  <a:srgbClr val="A9B7C6"/>
+                </a:solidFill>
+                <a:effectLst/>
+                <a:latin typeface="Courier New" panose="02070309020205020404" pitchFamily="49" charset="0"/>
+                <a:cs typeface="Courier New" panose="02070309020205020404" pitchFamily="49" charset="0"/>
+              </a:rPr>
+              <a:t>a</a:t>
+            </a:r>
+            <a:r>
+              <a:rPr kumimoji="0" lang="ko-KR" altLang="ko-KR" sz="1200" b="0" i="0" u="none" strike="noStrike" cap="none" normalizeH="0" baseline="0" dirty="0">
+                <a:ln>
+                  <a:noFill/>
+                </a:ln>
+                <a:solidFill>
+                  <a:srgbClr val="A9B7C6"/>
+                </a:solidFill>
+                <a:effectLst/>
+                <a:latin typeface="Courier New" panose="02070309020205020404" pitchFamily="49" charset="0"/>
+                <a:cs typeface="Courier New" panose="02070309020205020404" pitchFamily="49" charset="0"/>
+              </a:rPr>
+              <a:t> &lt; </a:t>
+            </a:r>
+            <a:r>
+              <a:rPr kumimoji="0" lang="ko-KR" altLang="ko-KR" sz="1200" b="0" i="0" u="none" strike="noStrike" cap="none" normalizeH="0" baseline="0" dirty="0" err="1">
+                <a:ln>
+                  <a:noFill/>
+                </a:ln>
+                <a:solidFill>
+                  <a:srgbClr val="A9B7C6"/>
+                </a:solidFill>
+                <a:effectLst/>
+                <a:latin typeface="Courier New" panose="02070309020205020404" pitchFamily="49" charset="0"/>
+                <a:cs typeface="Courier New" panose="02070309020205020404" pitchFamily="49" charset="0"/>
+              </a:rPr>
+              <a:t>b</a:t>
+            </a:r>
+            <a:r>
+              <a:rPr kumimoji="0" lang="ko-KR" altLang="ko-KR" sz="1200" b="0" i="0" u="none" strike="noStrike" cap="none" normalizeH="0" baseline="0" dirty="0">
+                <a:ln>
+                  <a:noFill/>
+                </a:ln>
+                <a:solidFill>
+                  <a:srgbClr val="A9B7C6"/>
+                </a:solidFill>
+                <a:effectLst/>
+                <a:latin typeface="Courier New" panose="02070309020205020404" pitchFamily="49" charset="0"/>
+                <a:cs typeface="Courier New" panose="02070309020205020404" pitchFamily="49" charset="0"/>
+              </a:rPr>
+              <a:t>)</a:t>
             </a:r>
             <a:br>
-              <a:rPr kumimoji="0" lang="ko-KR" altLang="ko-KR" sz="1200" b="0" i="0" u="none" strike="noStrike" cap="none" normalizeH="0" baseline="0">
+              <a:rPr kumimoji="0" lang="ko-KR" altLang="ko-KR" sz="1200" b="0" i="0" u="none" strike="noStrike" cap="none" normalizeH="0" baseline="0" dirty="0">
                 <a:ln>
                   <a:noFill/>
                 </a:ln>
@@ -6109,21 +7254,119 @@
               </a:rPr>
             </a:br>
             <a:r>
-              <a:rPr kumimoji="0" lang="ko-KR" altLang="ko-KR" sz="1200" b="0" i="0" u="none" strike="noStrike" cap="none" normalizeH="0" baseline="0">
-                <a:ln>
-                  <a:noFill/>
-                </a:ln>
-                <a:solidFill>
-                  <a:srgbClr val="A9B7C6"/>
-                </a:solidFill>
-                <a:effectLst/>
-                <a:latin typeface="Courier New" panose="02070309020205020404" pitchFamily="49" charset="0"/>
-                <a:cs typeface="Courier New" panose="02070309020205020404" pitchFamily="49" charset="0"/>
-              </a:rPr>
-              <a:t>print(a &lt; b)</a:t>
+              <a:rPr kumimoji="0" lang="ko-KR" altLang="ko-KR" sz="1200" b="0" i="0" u="none" strike="noStrike" cap="none" normalizeH="0" baseline="0" dirty="0" err="1">
+                <a:ln>
+                  <a:noFill/>
+                </a:ln>
+                <a:solidFill>
+                  <a:srgbClr val="A9B7C6"/>
+                </a:solidFill>
+                <a:effectLst/>
+                <a:latin typeface="Courier New" panose="02070309020205020404" pitchFamily="49" charset="0"/>
+                <a:cs typeface="Courier New" panose="02070309020205020404" pitchFamily="49" charset="0"/>
+              </a:rPr>
+              <a:t>print</a:t>
+            </a:r>
+            <a:r>
+              <a:rPr kumimoji="0" lang="ko-KR" altLang="ko-KR" sz="1200" b="0" i="0" u="none" strike="noStrike" cap="none" normalizeH="0" baseline="0" dirty="0">
+                <a:ln>
+                  <a:noFill/>
+                </a:ln>
+                <a:solidFill>
+                  <a:srgbClr val="A9B7C6"/>
+                </a:solidFill>
+                <a:effectLst/>
+                <a:latin typeface="Courier New" panose="02070309020205020404" pitchFamily="49" charset="0"/>
+                <a:cs typeface="Courier New" panose="02070309020205020404" pitchFamily="49" charset="0"/>
+              </a:rPr>
+              <a:t>(</a:t>
+            </a:r>
+            <a:r>
+              <a:rPr kumimoji="0" lang="ko-KR" altLang="ko-KR" sz="1200" b="0" i="0" u="none" strike="noStrike" cap="none" normalizeH="0" baseline="0" dirty="0" err="1">
+                <a:ln>
+                  <a:noFill/>
+                </a:ln>
+                <a:solidFill>
+                  <a:srgbClr val="A9B7C6"/>
+                </a:solidFill>
+                <a:effectLst/>
+                <a:latin typeface="Courier New" panose="02070309020205020404" pitchFamily="49" charset="0"/>
+                <a:cs typeface="Courier New" panose="02070309020205020404" pitchFamily="49" charset="0"/>
+              </a:rPr>
+              <a:t>a</a:t>
+            </a:r>
+            <a:r>
+              <a:rPr kumimoji="0" lang="ko-KR" altLang="ko-KR" sz="1200" b="0" i="0" u="none" strike="noStrike" cap="none" normalizeH="0" baseline="0" dirty="0">
+                <a:ln>
+                  <a:noFill/>
+                </a:ln>
+                <a:solidFill>
+                  <a:srgbClr val="A9B7C6"/>
+                </a:solidFill>
+                <a:effectLst/>
+                <a:latin typeface="Courier New" panose="02070309020205020404" pitchFamily="49" charset="0"/>
+                <a:cs typeface="Courier New" panose="02070309020205020404" pitchFamily="49" charset="0"/>
+              </a:rPr>
+              <a:t> </a:t>
+            </a:r>
+            <a:r>
+              <a:rPr kumimoji="0" lang="en-US" altLang="ko-KR" sz="1200" b="0" i="0" u="none" strike="noStrike" cap="none" normalizeH="0" baseline="0" dirty="0" smtClean="0">
+                <a:ln>
+                  <a:noFill/>
+                </a:ln>
+                <a:solidFill>
+                  <a:srgbClr val="A9B7C6"/>
+                </a:solidFill>
+                <a:effectLst/>
+                <a:latin typeface="Courier New" panose="02070309020205020404" pitchFamily="49" charset="0"/>
+                <a:cs typeface="Courier New" panose="02070309020205020404" pitchFamily="49" charset="0"/>
+              </a:rPr>
+              <a:t>&gt;</a:t>
+            </a:r>
+            <a:r>
+              <a:rPr kumimoji="0" lang="ko-KR" altLang="ko-KR" sz="1200" b="0" i="0" u="none" strike="noStrike" cap="none" normalizeH="0" baseline="0" dirty="0" smtClean="0">
+                <a:ln>
+                  <a:noFill/>
+                </a:ln>
+                <a:solidFill>
+                  <a:srgbClr val="A9B7C6"/>
+                </a:solidFill>
+                <a:effectLst/>
+                <a:latin typeface="Courier New" panose="02070309020205020404" pitchFamily="49" charset="0"/>
+                <a:cs typeface="Courier New" panose="02070309020205020404" pitchFamily="49" charset="0"/>
+              </a:rPr>
+              <a:t> </a:t>
+            </a:r>
+            <a:r>
+              <a:rPr kumimoji="0" lang="ko-KR" altLang="ko-KR" sz="1200" b="0" i="0" u="none" strike="noStrike" cap="none" normalizeH="0" baseline="0" dirty="0" err="1">
+                <a:ln>
+                  <a:noFill/>
+                </a:ln>
+                <a:solidFill>
+                  <a:srgbClr val="A9B7C6"/>
+                </a:solidFill>
+                <a:effectLst/>
+                <a:latin typeface="Courier New" panose="02070309020205020404" pitchFamily="49" charset="0"/>
+                <a:cs typeface="Courier New" panose="02070309020205020404" pitchFamily="49" charset="0"/>
+              </a:rPr>
+              <a:t>b</a:t>
+            </a:r>
+            <a:r>
+              <a:rPr kumimoji="0" lang="ko-KR" altLang="ko-KR" sz="1200" b="0" i="0" u="none" strike="noStrike" cap="none" normalizeH="0" baseline="0" dirty="0">
+                <a:ln>
+                  <a:noFill/>
+                </a:ln>
+                <a:solidFill>
+                  <a:srgbClr val="A9B7C6"/>
+                </a:solidFill>
+                <a:effectLst/>
+                <a:latin typeface="Courier New" panose="02070309020205020404" pitchFamily="49" charset="0"/>
+                <a:cs typeface="Courier New" panose="02070309020205020404" pitchFamily="49" charset="0"/>
+              </a:rPr>
+              <a:t>)</a:t>
             </a:r>
             <a:br>
-              <a:rPr kumimoji="0" lang="ko-KR" altLang="ko-KR" sz="1200" b="0" i="0" u="none" strike="noStrike" cap="none" normalizeH="0" baseline="0">
+              <a:rPr kumimoji="0" lang="ko-KR" altLang="ko-KR" sz="1200" b="0" i="0" u="none" strike="noStrike" cap="none" normalizeH="0" baseline="0" dirty="0">
                 <a:ln>
                   <a:noFill/>
                 </a:ln>
@@ -6136,21 +7379,115 @@
               </a:rPr>
             </a:br>
             <a:r>
-              <a:rPr kumimoji="0" lang="ko-KR" altLang="ko-KR" sz="1200" b="0" i="0" u="none" strike="noStrike" cap="none" normalizeH="0" baseline="0">
-                <a:ln>
-                  <a:noFill/>
-                </a:ln>
-                <a:solidFill>
-                  <a:srgbClr val="A9B7C6"/>
-                </a:solidFill>
-                <a:effectLst/>
-                <a:latin typeface="Courier New" panose="02070309020205020404" pitchFamily="49" charset="0"/>
-                <a:cs typeface="Courier New" panose="02070309020205020404" pitchFamily="49" charset="0"/>
-              </a:rPr>
-              <a:t>print(a &lt;= b)</a:t>
+              <a:rPr kumimoji="0" lang="ko-KR" altLang="ko-KR" sz="1200" b="0" i="0" u="none" strike="noStrike" cap="none" normalizeH="0" baseline="0" dirty="0" err="1">
+                <a:ln>
+                  <a:noFill/>
+                </a:ln>
+                <a:solidFill>
+                  <a:srgbClr val="A9B7C6"/>
+                </a:solidFill>
+                <a:effectLst/>
+                <a:latin typeface="Courier New" panose="02070309020205020404" pitchFamily="49" charset="0"/>
+                <a:cs typeface="Courier New" panose="02070309020205020404" pitchFamily="49" charset="0"/>
+              </a:rPr>
+              <a:t>print</a:t>
+            </a:r>
+            <a:r>
+              <a:rPr kumimoji="0" lang="ko-KR" altLang="ko-KR" sz="1200" b="0" i="0" u="none" strike="noStrike" cap="none" normalizeH="0" baseline="0" dirty="0">
+                <a:ln>
+                  <a:noFill/>
+                </a:ln>
+                <a:solidFill>
+                  <a:srgbClr val="A9B7C6"/>
+                </a:solidFill>
+                <a:effectLst/>
+                <a:latin typeface="Courier New" panose="02070309020205020404" pitchFamily="49" charset="0"/>
+                <a:cs typeface="Courier New" panose="02070309020205020404" pitchFamily="49" charset="0"/>
+              </a:rPr>
+              <a:t>(</a:t>
+            </a:r>
+            <a:r>
+              <a:rPr kumimoji="0" lang="ko-KR" altLang="ko-KR" sz="1200" b="0" i="0" u="none" strike="noStrike" cap="none" normalizeH="0" baseline="0" dirty="0" err="1">
+                <a:ln>
+                  <a:noFill/>
+                </a:ln>
+                <a:solidFill>
+                  <a:srgbClr val="A9B7C6"/>
+                </a:solidFill>
+                <a:effectLst/>
+                <a:latin typeface="Courier New" panose="02070309020205020404" pitchFamily="49" charset="0"/>
+                <a:cs typeface="Courier New" panose="02070309020205020404" pitchFamily="49" charset="0"/>
+              </a:rPr>
+              <a:t>a</a:t>
+            </a:r>
+            <a:r>
+              <a:rPr kumimoji="0" lang="ko-KR" altLang="ko-KR" sz="1200" b="0" i="0" u="none" strike="noStrike" cap="none" normalizeH="0" baseline="0" dirty="0">
+                <a:ln>
+                  <a:noFill/>
+                </a:ln>
+                <a:solidFill>
+                  <a:srgbClr val="A9B7C6"/>
+                </a:solidFill>
+                <a:effectLst/>
+                <a:latin typeface="Courier New" panose="02070309020205020404" pitchFamily="49" charset="0"/>
+                <a:cs typeface="Courier New" panose="02070309020205020404" pitchFamily="49" charset="0"/>
+              </a:rPr>
+              <a:t> </a:t>
+            </a:r>
+            <a:r>
+              <a:rPr lang="en-US" altLang="ko-KR" sz="1200" dirty="0">
+                <a:solidFill>
+                  <a:srgbClr val="A9B7C6"/>
+                </a:solidFill>
+                <a:latin typeface="Courier New" panose="02070309020205020404" pitchFamily="49" charset="0"/>
+                <a:cs typeface="Courier New" panose="02070309020205020404" pitchFamily="49" charset="0"/>
+              </a:rPr>
+              <a:t>&gt;</a:t>
+            </a:r>
+            <a:r>
+              <a:rPr kumimoji="0" lang="ko-KR" altLang="ko-KR" sz="1200" b="0" i="0" u="none" strike="noStrike" cap="none" normalizeH="0" baseline="0" dirty="0" smtClean="0">
+                <a:ln>
+                  <a:noFill/>
+                </a:ln>
+                <a:solidFill>
+                  <a:srgbClr val="A9B7C6"/>
+                </a:solidFill>
+                <a:effectLst/>
+                <a:latin typeface="Courier New" panose="02070309020205020404" pitchFamily="49" charset="0"/>
+                <a:cs typeface="Courier New" panose="02070309020205020404" pitchFamily="49" charset="0"/>
+              </a:rPr>
+              <a:t>= </a:t>
+            </a:r>
+            <a:r>
+              <a:rPr kumimoji="0" lang="ko-KR" altLang="ko-KR" sz="1200" b="0" i="0" u="none" strike="noStrike" cap="none" normalizeH="0" baseline="0" dirty="0" err="1">
+                <a:ln>
+                  <a:noFill/>
+                </a:ln>
+                <a:solidFill>
+                  <a:srgbClr val="A9B7C6"/>
+                </a:solidFill>
+                <a:effectLst/>
+                <a:latin typeface="Courier New" panose="02070309020205020404" pitchFamily="49" charset="0"/>
+                <a:cs typeface="Courier New" panose="02070309020205020404" pitchFamily="49" charset="0"/>
+              </a:rPr>
+              <a:t>b</a:t>
+            </a:r>
+            <a:r>
+              <a:rPr kumimoji="0" lang="ko-KR" altLang="ko-KR" sz="1200" b="0" i="0" u="none" strike="noStrike" cap="none" normalizeH="0" baseline="0" dirty="0">
+                <a:ln>
+                  <a:noFill/>
+                </a:ln>
+                <a:solidFill>
+                  <a:srgbClr val="A9B7C6"/>
+                </a:solidFill>
+                <a:effectLst/>
+                <a:latin typeface="Courier New" panose="02070309020205020404" pitchFamily="49" charset="0"/>
+                <a:cs typeface="Courier New" panose="02070309020205020404" pitchFamily="49" charset="0"/>
+              </a:rPr>
+              <a:t>)</a:t>
             </a:r>
             <a:br>
-              <a:rPr kumimoji="0" lang="ko-KR" altLang="ko-KR" sz="1200" b="0" i="0" u="none" strike="noStrike" cap="none" normalizeH="0" baseline="0">
+              <a:rPr kumimoji="0" lang="ko-KR" altLang="ko-KR" sz="1200" b="0" i="0" u="none" strike="noStrike" cap="none" normalizeH="0" baseline="0" dirty="0">
                 <a:ln>
                   <a:noFill/>
                 </a:ln>
@@ -6163,21 +7500,91 @@
               </a:rPr>
             </a:br>
             <a:r>
-              <a:rPr kumimoji="0" lang="ko-KR" altLang="ko-KR" sz="1200" b="0" i="0" u="none" strike="noStrike" cap="none" normalizeH="0" baseline="0">
-                <a:ln>
-                  <a:noFill/>
-                </a:ln>
-                <a:solidFill>
-                  <a:srgbClr val="A9B7C6"/>
-                </a:solidFill>
-                <a:effectLst/>
-                <a:latin typeface="Courier New" panose="02070309020205020404" pitchFamily="49" charset="0"/>
-                <a:cs typeface="Courier New" panose="02070309020205020404" pitchFamily="49" charset="0"/>
-              </a:rPr>
-              <a:t>print(a == b)</a:t>
+              <a:rPr kumimoji="0" lang="ko-KR" altLang="ko-KR" sz="1200" b="0" i="0" u="none" strike="noStrike" cap="none" normalizeH="0" baseline="0" dirty="0" err="1">
+                <a:ln>
+                  <a:noFill/>
+                </a:ln>
+                <a:solidFill>
+                  <a:srgbClr val="A9B7C6"/>
+                </a:solidFill>
+                <a:effectLst/>
+                <a:latin typeface="Courier New" panose="02070309020205020404" pitchFamily="49" charset="0"/>
+                <a:cs typeface="Courier New" panose="02070309020205020404" pitchFamily="49" charset="0"/>
+              </a:rPr>
+              <a:t>print</a:t>
+            </a:r>
+            <a:r>
+              <a:rPr kumimoji="0" lang="ko-KR" altLang="ko-KR" sz="1200" b="0" i="0" u="none" strike="noStrike" cap="none" normalizeH="0" baseline="0" dirty="0">
+                <a:ln>
+                  <a:noFill/>
+                </a:ln>
+                <a:solidFill>
+                  <a:srgbClr val="A9B7C6"/>
+                </a:solidFill>
+                <a:effectLst/>
+                <a:latin typeface="Courier New" panose="02070309020205020404" pitchFamily="49" charset="0"/>
+                <a:cs typeface="Courier New" panose="02070309020205020404" pitchFamily="49" charset="0"/>
+              </a:rPr>
+              <a:t>(</a:t>
+            </a:r>
+            <a:r>
+              <a:rPr kumimoji="0" lang="ko-KR" altLang="ko-KR" sz="1200" b="0" i="0" u="none" strike="noStrike" cap="none" normalizeH="0" baseline="0" dirty="0" err="1">
+                <a:ln>
+                  <a:noFill/>
+                </a:ln>
+                <a:solidFill>
+                  <a:srgbClr val="A9B7C6"/>
+                </a:solidFill>
+                <a:effectLst/>
+                <a:latin typeface="Courier New" panose="02070309020205020404" pitchFamily="49" charset="0"/>
+                <a:cs typeface="Courier New" panose="02070309020205020404" pitchFamily="49" charset="0"/>
+              </a:rPr>
+              <a:t>a</a:t>
+            </a:r>
+            <a:r>
+              <a:rPr kumimoji="0" lang="ko-KR" altLang="ko-KR" sz="1200" b="0" i="0" u="none" strike="noStrike" cap="none" normalizeH="0" baseline="0" dirty="0">
+                <a:ln>
+                  <a:noFill/>
+                </a:ln>
+                <a:solidFill>
+                  <a:srgbClr val="A9B7C6"/>
+                </a:solidFill>
+                <a:effectLst/>
+                <a:latin typeface="Courier New" panose="02070309020205020404" pitchFamily="49" charset="0"/>
+                <a:cs typeface="Courier New" panose="02070309020205020404" pitchFamily="49" charset="0"/>
+              </a:rPr>
+              <a:t> == </a:t>
+            </a:r>
+            <a:r>
+              <a:rPr kumimoji="0" lang="ko-KR" altLang="ko-KR" sz="1200" b="0" i="0" u="none" strike="noStrike" cap="none" normalizeH="0" baseline="0" dirty="0" err="1">
+                <a:ln>
+                  <a:noFill/>
+                </a:ln>
+                <a:solidFill>
+                  <a:srgbClr val="A9B7C6"/>
+                </a:solidFill>
+                <a:effectLst/>
+                <a:latin typeface="Courier New" panose="02070309020205020404" pitchFamily="49" charset="0"/>
+                <a:cs typeface="Courier New" panose="02070309020205020404" pitchFamily="49" charset="0"/>
+              </a:rPr>
+              <a:t>b</a:t>
+            </a:r>
+            <a:r>
+              <a:rPr kumimoji="0" lang="ko-KR" altLang="ko-KR" sz="1200" b="0" i="0" u="none" strike="noStrike" cap="none" normalizeH="0" baseline="0" dirty="0">
+                <a:ln>
+                  <a:noFill/>
+                </a:ln>
+                <a:solidFill>
+                  <a:srgbClr val="A9B7C6"/>
+                </a:solidFill>
+                <a:effectLst/>
+                <a:latin typeface="Courier New" panose="02070309020205020404" pitchFamily="49" charset="0"/>
+                <a:cs typeface="Courier New" panose="02070309020205020404" pitchFamily="49" charset="0"/>
+              </a:rPr>
+              <a:t>)</a:t>
             </a:r>
             <a:br>
-              <a:rPr kumimoji="0" lang="ko-KR" altLang="ko-KR" sz="1200" b="0" i="0" u="none" strike="noStrike" cap="none" normalizeH="0" baseline="0">
+              <a:rPr kumimoji="0" lang="ko-KR" altLang="ko-KR" sz="1200" b="0" i="0" u="none" strike="noStrike" cap="none" normalizeH="0" baseline="0" dirty="0">
                 <a:ln>
                   <a:noFill/>
                 </a:ln>
@@ -6190,20 +7597,90 @@
               </a:rPr>
             </a:br>
             <a:r>
-              <a:rPr kumimoji="0" lang="ko-KR" altLang="ko-KR" sz="1200" b="0" i="0" u="none" strike="noStrike" cap="none" normalizeH="0" baseline="0">
-                <a:ln>
-                  <a:noFill/>
-                </a:ln>
-                <a:solidFill>
-                  <a:srgbClr val="A9B7C6"/>
-                </a:solidFill>
-                <a:effectLst/>
-                <a:latin typeface="Courier New" panose="02070309020205020404" pitchFamily="49" charset="0"/>
-                <a:cs typeface="Courier New" panose="02070309020205020404" pitchFamily="49" charset="0"/>
-              </a:rPr>
-              <a:t>print(a != b)</a:t>
-            </a:r>
-            <a:endParaRPr kumimoji="0" lang="ko-KR" altLang="ko-KR" sz="1800" b="0" i="0" u="none" strike="noStrike" cap="none" normalizeH="0" baseline="0">
+              <a:rPr kumimoji="0" lang="ko-KR" altLang="ko-KR" sz="1200" b="0" i="0" u="none" strike="noStrike" cap="none" normalizeH="0" baseline="0" dirty="0" err="1">
+                <a:ln>
+                  <a:noFill/>
+                </a:ln>
+                <a:solidFill>
+                  <a:srgbClr val="A9B7C6"/>
+                </a:solidFill>
+                <a:effectLst/>
+                <a:latin typeface="Courier New" panose="02070309020205020404" pitchFamily="49" charset="0"/>
+                <a:cs typeface="Courier New" panose="02070309020205020404" pitchFamily="49" charset="0"/>
+              </a:rPr>
+              <a:t>print</a:t>
+            </a:r>
+            <a:r>
+              <a:rPr kumimoji="0" lang="ko-KR" altLang="ko-KR" sz="1200" b="0" i="0" u="none" strike="noStrike" cap="none" normalizeH="0" baseline="0" dirty="0">
+                <a:ln>
+                  <a:noFill/>
+                </a:ln>
+                <a:solidFill>
+                  <a:srgbClr val="A9B7C6"/>
+                </a:solidFill>
+                <a:effectLst/>
+                <a:latin typeface="Courier New" panose="02070309020205020404" pitchFamily="49" charset="0"/>
+                <a:cs typeface="Courier New" panose="02070309020205020404" pitchFamily="49" charset="0"/>
+              </a:rPr>
+              <a:t>(</a:t>
+            </a:r>
+            <a:r>
+              <a:rPr kumimoji="0" lang="ko-KR" altLang="ko-KR" sz="1200" b="0" i="0" u="none" strike="noStrike" cap="none" normalizeH="0" baseline="0" dirty="0" err="1">
+                <a:ln>
+                  <a:noFill/>
+                </a:ln>
+                <a:solidFill>
+                  <a:srgbClr val="A9B7C6"/>
+                </a:solidFill>
+                <a:effectLst/>
+                <a:latin typeface="Courier New" panose="02070309020205020404" pitchFamily="49" charset="0"/>
+                <a:cs typeface="Courier New" panose="02070309020205020404" pitchFamily="49" charset="0"/>
+              </a:rPr>
+              <a:t>a</a:t>
+            </a:r>
+            <a:r>
+              <a:rPr kumimoji="0" lang="ko-KR" altLang="ko-KR" sz="1200" b="0" i="0" u="none" strike="noStrike" cap="none" normalizeH="0" baseline="0" dirty="0">
+                <a:ln>
+                  <a:noFill/>
+                </a:ln>
+                <a:solidFill>
+                  <a:srgbClr val="A9B7C6"/>
+                </a:solidFill>
+                <a:effectLst/>
+                <a:latin typeface="Courier New" panose="02070309020205020404" pitchFamily="49" charset="0"/>
+                <a:cs typeface="Courier New" panose="02070309020205020404" pitchFamily="49" charset="0"/>
+              </a:rPr>
+              <a:t> != </a:t>
+            </a:r>
+            <a:r>
+              <a:rPr kumimoji="0" lang="ko-KR" altLang="ko-KR" sz="1200" b="0" i="0" u="none" strike="noStrike" cap="none" normalizeH="0" baseline="0" dirty="0" err="1">
+                <a:ln>
+                  <a:noFill/>
+                </a:ln>
+                <a:solidFill>
+                  <a:srgbClr val="A9B7C6"/>
+                </a:solidFill>
+                <a:effectLst/>
+                <a:latin typeface="Courier New" panose="02070309020205020404" pitchFamily="49" charset="0"/>
+                <a:cs typeface="Courier New" panose="02070309020205020404" pitchFamily="49" charset="0"/>
+              </a:rPr>
+              <a:t>b</a:t>
+            </a:r>
+            <a:r>
+              <a:rPr kumimoji="0" lang="ko-KR" altLang="ko-KR" sz="1200" b="0" i="0" u="none" strike="noStrike" cap="none" normalizeH="0" baseline="0" dirty="0">
+                <a:ln>
+                  <a:noFill/>
+                </a:ln>
+                <a:solidFill>
+                  <a:srgbClr val="A9B7C6"/>
+                </a:solidFill>
+                <a:effectLst/>
+                <a:latin typeface="Courier New" panose="02070309020205020404" pitchFamily="49" charset="0"/>
+                <a:cs typeface="Courier New" panose="02070309020205020404" pitchFamily="49" charset="0"/>
+              </a:rPr>
+              <a:t>)</a:t>
+            </a:r>
+            <a:endParaRPr kumimoji="0" lang="ko-KR" altLang="ko-KR" sz="1800" b="0" i="0" u="none" strike="noStrike" cap="none" normalizeH="0" baseline="0" dirty="0">
               <a:ln>
                 <a:noFill/>
               </a:ln>
@@ -6225,10 +7702,17 @@
     <mc:Choice Requires="p14">
       <p:transition/>
     </mc:Choice>
-    <mc:Fallback xmlns="" xmlns:c="http://schemas.openxmlformats.org/drawingml/2006/chart" xmlns:dgm="http://schemas.openxmlformats.org/drawingml/2006/diagram" xmlns:dsp="http://schemas.microsoft.com/office/drawing/2008/diagram">
+    <mc:Fallback xmlns:dsp="http://schemas.microsoft.com/office/drawing/2008/diagram" xmlns:dgm="http://schemas.openxmlformats.org/drawingml/2006/diagram" xmlns:c="http://schemas.openxmlformats.org/drawingml/2006/chart" xmlns="">
       <p:transition/>
     </mc:Fallback>
   </mc:AlternateContent>
+  <p:timing>
+    <p:tnLst>
+      <p:par>
+        <p:cTn id="1" dur="indefinite" restart="never" nodeType="tmRoot"/>
+      </p:par>
+    </p:tnLst>
+  </p:timing>
 </p:sld>
 </file>
 
@@ -6416,10 +7900,17 @@
     <mc:Choice Requires="p14">
       <p:transition/>
     </mc:Choice>
-    <mc:Fallback xmlns:dsp="http://schemas.microsoft.com/office/drawing/2008/diagram" xmlns:dgm="http://schemas.openxmlformats.org/drawingml/2006/diagram" xmlns:c="http://schemas.openxmlformats.org/drawingml/2006/chart" xmlns="">
+    <mc:Fallback xmlns="" xmlns:c="http://schemas.openxmlformats.org/drawingml/2006/chart" xmlns:dgm="http://schemas.openxmlformats.org/drawingml/2006/diagram" xmlns:dsp="http://schemas.microsoft.com/office/drawing/2008/diagram">
       <p:transition/>
     </mc:Fallback>
   </mc:AlternateContent>
+  <p:timing>
+    <p:tnLst>
+      <p:par>
+        <p:cTn id="1" dur="indefinite" restart="never" nodeType="tmRoot"/>
+      </p:par>
+    </p:tnLst>
+  </p:timing>
 </p:sld>
 </file>
 
@@ -6568,10 +8059,17 @@
     <mc:Choice Requires="p14">
       <p:transition/>
     </mc:Choice>
-    <mc:Fallback xmlns="" xmlns:c="http://schemas.openxmlformats.org/drawingml/2006/chart" xmlns:dgm="http://schemas.openxmlformats.org/drawingml/2006/diagram" xmlns:dsp="http://schemas.microsoft.com/office/drawing/2008/diagram">
+    <mc:Fallback xmlns:dsp="http://schemas.microsoft.com/office/drawing/2008/diagram" xmlns:dgm="http://schemas.openxmlformats.org/drawingml/2006/diagram" xmlns:c="http://schemas.openxmlformats.org/drawingml/2006/chart" xmlns="">
       <p:transition/>
     </mc:Fallback>
   </mc:AlternateContent>
+  <p:timing>
+    <p:tnLst>
+      <p:par>
+        <p:cTn id="1" dur="indefinite" restart="never" nodeType="tmRoot"/>
+      </p:par>
+    </p:tnLst>
+  </p:timing>
 </p:sld>
 </file>
 
@@ -6698,6 +8196,13 @@
   <p:clrMapOvr>
     <a:masterClrMapping/>
   </p:clrMapOvr>
+  <p:timing>
+    <p:tnLst>
+      <p:par>
+        <p:cTn id="1" dur="indefinite" restart="never" nodeType="tmRoot"/>
+      </p:par>
+    </p:tnLst>
+  </p:timing>
 </p:sld>
 </file>
 
@@ -6807,7 +8312,11 @@
               <a:t>의 배수를 모두 </a:t>
             </a:r>
             <a:r>
-              <a:rPr lang="ko-KR" altLang="en-US" dirty="0" err="1"/>
+              <a:rPr lang="ko-KR" altLang="en-US" dirty="0" smtClean="0"/>
+              <a:t> 순서대로 </a:t>
+            </a:r>
+            <a:r>
+              <a:rPr lang="ko-KR" altLang="en-US" dirty="0" err="1" smtClean="0"/>
               <a:t>출력하시오</a:t>
             </a:r>
             <a:r>
@@ -6816,14 +8325,181 @@
             </a:r>
           </a:p>
           <a:p>
-            <a:pPr marL="0" indent="0">
-              <a:buNone/>
+            <a:pPr marL="457200" indent="-457200">
+              <a:buAutoNum type="arabicPeriod" startAt="2"/>
               <a:defRPr/>
             </a:pPr>
             <a:r>
-              <a:rPr lang="en-US" altLang="ko-KR" dirty="0"/>
-              <a:t>2. </a:t>
-            </a:r>
+              <a:rPr lang="ko-KR" altLang="en-US" dirty="0" smtClean="0"/>
+              <a:t>숫자를 입력 받아서 </a:t>
+            </a:r>
+            <a:r>
+              <a:rPr lang="en-US" altLang="ko-KR" dirty="0" smtClean="0"/>
+              <a:t>100</a:t>
+            </a:r>
+            <a:r>
+              <a:rPr lang="ko-KR" altLang="en-US" dirty="0" smtClean="0"/>
+              <a:t>보다 크면 </a:t>
+            </a:r>
+            <a:r>
+              <a:rPr lang="en-US" altLang="ko-KR" dirty="0" smtClean="0"/>
+              <a:t>‘</a:t>
+            </a:r>
+            <a:r>
+              <a:rPr lang="ko-KR" altLang="en-US" dirty="0" err="1" smtClean="0"/>
+              <a:t>작은수</a:t>
+            </a:r>
+            <a:r>
+              <a:rPr lang="en-US" altLang="ko-KR" dirty="0" smtClean="0"/>
+              <a:t>’</a:t>
+            </a:r>
+            <a:r>
+              <a:rPr lang="ko-KR" altLang="en-US" dirty="0" smtClean="0"/>
+              <a:t> </a:t>
+            </a:r>
+            <a:r>
+              <a:rPr lang="en-US" altLang="ko-KR" dirty="0" smtClean="0"/>
+              <a:t>1000</a:t>
+            </a:r>
+            <a:r>
+              <a:rPr lang="ko-KR" altLang="en-US" dirty="0" smtClean="0"/>
+              <a:t>보다 크면 </a:t>
+            </a:r>
+            <a:r>
+              <a:rPr lang="en-US" altLang="ko-KR" dirty="0" smtClean="0"/>
+              <a:t>‘</a:t>
+            </a:r>
+            <a:r>
+              <a:rPr lang="ko-KR" altLang="en-US" dirty="0" smtClean="0"/>
+              <a:t>큰 수</a:t>
+            </a:r>
+            <a:r>
+              <a:rPr lang="en-US" altLang="ko-KR" dirty="0" smtClean="0"/>
+              <a:t>’</a:t>
+            </a:r>
+            <a:r>
+              <a:rPr lang="ko-KR" altLang="en-US" dirty="0" smtClean="0"/>
+              <a:t> </a:t>
+            </a:r>
+            <a:r>
+              <a:rPr lang="en-US" altLang="ko-KR" dirty="0" smtClean="0"/>
+              <a:t>10000 </a:t>
+            </a:r>
+            <a:r>
+              <a:rPr lang="ko-KR" altLang="en-US" dirty="0" smtClean="0"/>
+              <a:t>보다 크면 </a:t>
+            </a:r>
+            <a:r>
+              <a:rPr lang="en-US" altLang="ko-KR" dirty="0" smtClean="0"/>
+              <a:t>‘</a:t>
+            </a:r>
+            <a:r>
+              <a:rPr lang="ko-KR" altLang="en-US" dirty="0" smtClean="0"/>
+              <a:t>아주 큰 수</a:t>
+            </a:r>
+            <a:r>
+              <a:rPr lang="en-US" altLang="ko-KR" dirty="0" smtClean="0"/>
+              <a:t>’</a:t>
+            </a:r>
+            <a:r>
+              <a:rPr lang="ko-KR" altLang="en-US" dirty="0" smtClean="0"/>
+              <a:t>라는 문자를 출력하세요</a:t>
+            </a:r>
+            <a:r>
+              <a:rPr lang="en-US" altLang="ko-KR" dirty="0" smtClean="0"/>
+              <a:t>.</a:t>
+            </a:r>
+          </a:p>
+          <a:p>
+            <a:pPr marL="457200" indent="-457200">
+              <a:buAutoNum type="arabicPeriod" startAt="2"/>
+              <a:defRPr/>
+            </a:pPr>
+            <a:r>
+              <a:rPr lang="ko-KR" altLang="en-US" dirty="0" smtClean="0"/>
+              <a:t>변수를 입력 받아서 </a:t>
+            </a:r>
+            <a:r>
+              <a:rPr lang="en-US" altLang="ko-KR" dirty="0" err="1" smtClean="0"/>
+              <a:t>int</a:t>
+            </a:r>
+            <a:r>
+              <a:rPr lang="en-US" altLang="ko-KR" dirty="0" smtClean="0"/>
+              <a:t> </a:t>
+            </a:r>
+            <a:r>
+              <a:rPr lang="ko-KR" altLang="en-US" dirty="0" smtClean="0"/>
+              <a:t>이면 </a:t>
+            </a:r>
+            <a:r>
+              <a:rPr lang="en-US" altLang="ko-KR" dirty="0" smtClean="0"/>
+              <a:t>‘</a:t>
+            </a:r>
+            <a:r>
+              <a:rPr lang="ko-KR" altLang="en-US" dirty="0" smtClean="0"/>
+              <a:t>정수</a:t>
+            </a:r>
+            <a:r>
+              <a:rPr lang="en-US" altLang="ko-KR" dirty="0" smtClean="0"/>
+              <a:t>’</a:t>
+            </a:r>
+            <a:r>
+              <a:rPr lang="ko-KR" altLang="en-US" dirty="0" smtClean="0"/>
+              <a:t> </a:t>
+            </a:r>
+            <a:r>
+              <a:rPr lang="en-US" altLang="ko-KR" dirty="0" smtClean="0"/>
+              <a:t>float </a:t>
+            </a:r>
+            <a:r>
+              <a:rPr lang="ko-KR" altLang="en-US" dirty="0" smtClean="0"/>
+              <a:t>면  </a:t>
+            </a:r>
+            <a:r>
+              <a:rPr lang="en-US" altLang="ko-KR" dirty="0" smtClean="0"/>
+              <a:t>‘</a:t>
+            </a:r>
+            <a:r>
+              <a:rPr lang="ko-KR" altLang="en-US" dirty="0" smtClean="0"/>
+              <a:t>소수점 숫자</a:t>
+            </a:r>
+            <a:r>
+              <a:rPr lang="en-US" altLang="ko-KR" dirty="0" smtClean="0"/>
+              <a:t>＇</a:t>
+            </a:r>
+            <a:r>
+              <a:rPr lang="ko-KR" altLang="en-US" dirty="0" smtClean="0"/>
+              <a:t> </a:t>
+            </a:r>
+            <a:r>
+              <a:rPr lang="en-US" altLang="ko-KR" dirty="0" err="1" smtClean="0"/>
+              <a:t>str</a:t>
+            </a:r>
+            <a:r>
+              <a:rPr lang="ko-KR" altLang="en-US" dirty="0" smtClean="0"/>
+              <a:t>이면  </a:t>
+            </a:r>
+            <a:r>
+              <a:rPr lang="en-US" altLang="ko-KR" dirty="0" smtClean="0"/>
+              <a:t>‘</a:t>
+            </a:r>
+            <a:r>
+              <a:rPr lang="ko-KR" altLang="en-US" dirty="0" smtClean="0"/>
+              <a:t>문자열</a:t>
+            </a:r>
+            <a:r>
+              <a:rPr lang="en-US" altLang="ko-KR" dirty="0" smtClean="0"/>
+              <a:t>’</a:t>
+            </a:r>
+            <a:r>
+              <a:rPr lang="ko-KR" altLang="en-US" dirty="0" smtClean="0"/>
+              <a:t>을 출력하세요</a:t>
+            </a:r>
+            <a:r>
+              <a:rPr lang="en-US" altLang="ko-KR" dirty="0" smtClean="0"/>
+              <a:t>.</a:t>
+            </a:r>
+            <a:endParaRPr lang="en-US" altLang="ko-KR" dirty="0"/>
           </a:p>
         </p:txBody>
       </p:sp>
@@ -6836,10 +8512,17 @@
     <mc:Choice Requires="p14">
       <p:transition/>
     </mc:Choice>
-    <mc:Fallback xmlns:dsp="http://schemas.microsoft.com/office/drawing/2008/diagram" xmlns:dgm="http://schemas.openxmlformats.org/drawingml/2006/diagram" xmlns:c="http://schemas.openxmlformats.org/drawingml/2006/chart" xmlns="">
+    <mc:Fallback xmlns="" xmlns:c="http://schemas.openxmlformats.org/drawingml/2006/chart" xmlns:dgm="http://schemas.openxmlformats.org/drawingml/2006/diagram" xmlns:dsp="http://schemas.microsoft.com/office/drawing/2008/diagram">
       <p:transition/>
     </mc:Fallback>
   </mc:AlternateContent>
+  <p:timing>
+    <p:tnLst>
+      <p:par>
+        <p:cTn id="1" dur="indefinite" restart="never" nodeType="tmRoot"/>
+      </p:par>
+    </p:tnLst>
+  </p:timing>
 </p:sld>
 </file>
 

--- a/textbook/파이썬3-1교시.pptx
+++ b/textbook/파이썬3-1교시.pptx
@@ -8144,42 +8144,51 @@
               <a:t> </a:t>
             </a:r>
             <a:r>
-              <a:rPr lang="en-US" altLang="ko-KR" dirty="0" err="1"/>
-              <a:t>pressed_key</a:t>
-            </a:r>
-            <a:r>
-              <a:rPr lang="en-US" altLang="ko-KR" dirty="0"/>
-              <a:t> </a:t>
-            </a:r>
-            <a:r>
-              <a:rPr lang="ko-KR" altLang="en-US" dirty="0"/>
-              <a:t>목록을 받을 수 있다</a:t>
-            </a:r>
-            <a:r>
-              <a:rPr lang="en-US" altLang="ko-KR" dirty="0"/>
-              <a:t>.</a:t>
-            </a:r>
-          </a:p>
-          <a:p>
+              <a:rPr lang="en-US" altLang="ko-KR" dirty="0" smtClean="0"/>
+              <a:t>for in </a:t>
+            </a:r>
+            <a:r>
+              <a:rPr lang="ko-KR" altLang="en-US" dirty="0" smtClean="0"/>
+              <a:t>문</a:t>
+            </a:r>
+            <a:endParaRPr lang="en-US" altLang="ko-KR" dirty="0" smtClean="0"/>
+          </a:p>
+          <a:p>
+            <a:r>
+              <a:rPr lang="en-US" altLang="ko-KR" dirty="0" smtClean="0"/>
+              <a:t>range() </a:t>
+            </a:r>
+            <a:r>
+              <a:rPr lang="ko-KR" altLang="en-US" dirty="0" smtClean="0"/>
+              <a:t>함수</a:t>
+            </a:r>
+            <a:endParaRPr lang="en-US" altLang="ko-KR" dirty="0" smtClean="0"/>
+          </a:p>
+          <a:p>
+            <a:r>
+              <a:rPr lang="en-US" altLang="ko-KR" dirty="0" smtClean="0"/>
+              <a:t>while </a:t>
+            </a:r>
+            <a:r>
+              <a:rPr lang="ko-KR" altLang="en-US" dirty="0" smtClean="0"/>
+              <a:t>문</a:t>
+            </a:r>
+            <a:endParaRPr lang="en-US" altLang="ko-KR" dirty="0" smtClean="0"/>
+          </a:p>
+          <a:p>
+            <a:r>
+              <a:rPr lang="en-US" altLang="ko-KR" dirty="0" smtClean="0"/>
+              <a:t>break </a:t>
+            </a:r>
+            <a:r>
+              <a:rPr lang="ko-KR" altLang="en-US" dirty="0" smtClean="0"/>
+              <a:t>와 </a:t>
+            </a:r>
+            <a:r>
+              <a:rPr lang="en-US" altLang="ko-KR" dirty="0" smtClean="0"/>
+              <a:t>continue</a:t>
+            </a:r>
             <a:endParaRPr lang="en-US" altLang="ko-KR" dirty="0"/>
-          </a:p>
-          <a:p>
-            <a:r>
-              <a:rPr lang="ko-KR" altLang="en-US" dirty="0"/>
-              <a:t>받은 키 목록 중에서 우리가 쓸 키를 불러온다</a:t>
-            </a:r>
-            <a:r>
-              <a:rPr lang="en-US" altLang="ko-KR" dirty="0"/>
-              <a:t>. </a:t>
-            </a:r>
-            <a:r>
-              <a:rPr lang="ko-KR" altLang="en-US" dirty="0"/>
-              <a:t>좌표도 같이 변경 시켜 보자</a:t>
-            </a:r>
-            <a:r>
-              <a:rPr lang="en-US" altLang="ko-KR" dirty="0"/>
-              <a:t>.</a:t>
-            </a:r>
           </a:p>
           <a:p>
             <a:endParaRPr lang="ko-KR" altLang="en-US" dirty="0"/>

--- a/textbook/파이썬3-1교시.pptx
+++ b/textbook/파이썬3-1교시.pptx
@@ -270,7 +270,7 @@
           <a:p>
             <a:fld id="{3575F28B-E03B-4F00-AA56-A8AF97DAF43F}" type="datetimeFigureOut">
               <a:rPr lang="ko-KR" altLang="en-US" smtClean="0"/>
-              <a:t>2021-05-08</a:t>
+              <a:t>2021-05-09</a:t>
             </a:fld>
             <a:endParaRPr lang="ko-KR" altLang="en-US"/>
           </a:p>
@@ -512,7 +512,7 @@
           <a:p>
             <a:fld id="{3575F28B-E03B-4F00-AA56-A8AF97DAF43F}" type="datetimeFigureOut">
               <a:rPr lang="ko-KR" altLang="en-US" smtClean="0"/>
-              <a:t>2021-05-08</a:t>
+              <a:t>2021-05-09</a:t>
             </a:fld>
             <a:endParaRPr lang="ko-KR" altLang="en-US"/>
           </a:p>
@@ -696,7 +696,7 @@
           <a:p>
             <a:fld id="{3575F28B-E03B-4F00-AA56-A8AF97DAF43F}" type="datetimeFigureOut">
               <a:rPr lang="ko-KR" altLang="en-US" smtClean="0"/>
-              <a:t>2021-05-08</a:t>
+              <a:t>2021-05-09</a:t>
             </a:fld>
             <a:endParaRPr lang="ko-KR" altLang="en-US"/>
           </a:p>
@@ -897,7 +897,7 @@
           <a:p>
             <a:fld id="{3575F28B-E03B-4F00-AA56-A8AF97DAF43F}" type="datetimeFigureOut">
               <a:rPr lang="ko-KR" altLang="en-US" smtClean="0"/>
-              <a:t>2021-05-08</a:t>
+              <a:t>2021-05-09</a:t>
             </a:fld>
             <a:endParaRPr lang="ko-KR" altLang="en-US"/>
           </a:p>
@@ -1176,7 +1176,7 @@
           <a:p>
             <a:fld id="{3575F28B-E03B-4F00-AA56-A8AF97DAF43F}" type="datetimeFigureOut">
               <a:rPr lang="ko-KR" altLang="en-US" smtClean="0"/>
-              <a:t>2021-05-08</a:t>
+              <a:t>2021-05-09</a:t>
             </a:fld>
             <a:endParaRPr lang="ko-KR" altLang="en-US"/>
           </a:p>
@@ -1444,7 +1444,7 @@
           <a:p>
             <a:fld id="{3575F28B-E03B-4F00-AA56-A8AF97DAF43F}" type="datetimeFigureOut">
               <a:rPr lang="ko-KR" altLang="en-US" smtClean="0"/>
-              <a:t>2021-05-08</a:t>
+              <a:t>2021-05-09</a:t>
             </a:fld>
             <a:endParaRPr lang="ko-KR" altLang="en-US"/>
           </a:p>
@@ -1891,7 +1891,7 @@
           <a:p>
             <a:fld id="{3575F28B-E03B-4F00-AA56-A8AF97DAF43F}" type="datetimeFigureOut">
               <a:rPr lang="ko-KR" altLang="en-US" smtClean="0"/>
-              <a:t>2021-05-08</a:t>
+              <a:t>2021-05-09</a:t>
             </a:fld>
             <a:endParaRPr lang="ko-KR" altLang="en-US"/>
           </a:p>
@@ -2040,7 +2040,7 @@
           <a:p>
             <a:fld id="{3575F28B-E03B-4F00-AA56-A8AF97DAF43F}" type="datetimeFigureOut">
               <a:rPr lang="ko-KR" altLang="en-US" smtClean="0"/>
-              <a:t>2021-05-08</a:t>
+              <a:t>2021-05-09</a:t>
             </a:fld>
             <a:endParaRPr lang="ko-KR" altLang="en-US"/>
           </a:p>
@@ -2135,7 +2135,7 @@
           <a:p>
             <a:fld id="{3575F28B-E03B-4F00-AA56-A8AF97DAF43F}" type="datetimeFigureOut">
               <a:rPr lang="ko-KR" altLang="en-US" smtClean="0"/>
-              <a:t>2021-05-08</a:t>
+              <a:t>2021-05-09</a:t>
             </a:fld>
             <a:endParaRPr lang="ko-KR" altLang="en-US"/>
           </a:p>
@@ -2388,7 +2388,7 @@
           <a:p>
             <a:fld id="{3575F28B-E03B-4F00-AA56-A8AF97DAF43F}" type="datetimeFigureOut">
               <a:rPr lang="ko-KR" altLang="en-US" smtClean="0"/>
-              <a:t>2021-05-08</a:t>
+              <a:t>2021-05-09</a:t>
             </a:fld>
             <a:endParaRPr lang="ko-KR" altLang="en-US"/>
           </a:p>
@@ -2833,7 +2833,7 @@
           <a:p>
             <a:fld id="{3575F28B-E03B-4F00-AA56-A8AF97DAF43F}" type="datetimeFigureOut">
               <a:rPr lang="ko-KR" altLang="en-US" smtClean="0"/>
-              <a:t>2021-05-08</a:t>
+              <a:t>2021-05-09</a:t>
             </a:fld>
             <a:endParaRPr lang="ko-KR" altLang="en-US"/>
           </a:p>
@@ -3197,7 +3197,7 @@
           <a:p>
             <a:fld id="{3575F28B-E03B-4F00-AA56-A8AF97DAF43F}" type="datetimeFigureOut">
               <a:rPr lang="ko-KR" altLang="en-US" smtClean="0"/>
-              <a:t>2021-05-08</a:t>
+              <a:t>2021-05-09</a:t>
             </a:fld>
             <a:endParaRPr lang="ko-KR" altLang="en-US"/>
           </a:p>
@@ -3729,7 +3729,7 @@
     <mc:Choice Requires="p14">
       <p:transition/>
     </mc:Choice>
-    <mc:Fallback xmlns:dsp="http://schemas.microsoft.com/office/drawing/2008/diagram" xmlns:dgm="http://schemas.openxmlformats.org/drawingml/2006/diagram" xmlns:c="http://schemas.openxmlformats.org/drawingml/2006/chart" xmlns="">
+    <mc:Fallback xmlns="" xmlns:c="http://schemas.openxmlformats.org/drawingml/2006/chart" xmlns:dgm="http://schemas.openxmlformats.org/drawingml/2006/diagram" xmlns:dsp="http://schemas.microsoft.com/office/drawing/2008/diagram">
       <p:transition/>
     </mc:Fallback>
   </mc:AlternateContent>
@@ -3874,7 +3874,7 @@
     <mc:Choice Requires="p14">
       <p:transition/>
     </mc:Choice>
-    <mc:Fallback xmlns:dsp="http://schemas.microsoft.com/office/drawing/2008/diagram" xmlns:dgm="http://schemas.openxmlformats.org/drawingml/2006/diagram" xmlns:c="http://schemas.openxmlformats.org/drawingml/2006/chart" xmlns="">
+    <mc:Fallback xmlns="" xmlns:c="http://schemas.openxmlformats.org/drawingml/2006/chart" xmlns:dgm="http://schemas.openxmlformats.org/drawingml/2006/diagram" xmlns:dsp="http://schemas.microsoft.com/office/drawing/2008/diagram">
       <p:transition/>
     </mc:Fallback>
   </mc:AlternateContent>
@@ -4352,7 +4352,7 @@
     <mc:Choice Requires="p14">
       <p:transition/>
     </mc:Choice>
-    <mc:Fallback xmlns="" xmlns:c="http://schemas.openxmlformats.org/drawingml/2006/chart" xmlns:dgm="http://schemas.openxmlformats.org/drawingml/2006/diagram" xmlns:dsp="http://schemas.microsoft.com/office/drawing/2008/diagram">
+    <mc:Fallback xmlns:dsp="http://schemas.microsoft.com/office/drawing/2008/diagram" xmlns:dgm="http://schemas.openxmlformats.org/drawingml/2006/diagram" xmlns:c="http://schemas.openxmlformats.org/drawingml/2006/chart" xmlns="">
       <p:transition/>
     </mc:Fallback>
   </mc:AlternateContent>
@@ -6188,7 +6188,7 @@
     <mc:Choice Requires="p14">
       <p:transition/>
     </mc:Choice>
-    <mc:Fallback xmlns:dsp="http://schemas.microsoft.com/office/drawing/2008/diagram" xmlns:dgm="http://schemas.openxmlformats.org/drawingml/2006/diagram" xmlns:c="http://schemas.openxmlformats.org/drawingml/2006/chart" xmlns="">
+    <mc:Fallback xmlns="" xmlns:c="http://schemas.openxmlformats.org/drawingml/2006/chart" xmlns:dgm="http://schemas.openxmlformats.org/drawingml/2006/diagram" xmlns:dsp="http://schemas.microsoft.com/office/drawing/2008/diagram">
       <p:transition/>
     </mc:Fallback>
   </mc:AlternateContent>
@@ -6722,8 +6722,8 @@
         </p:nvSpPr>
         <p:spPr bwMode="auto">
           <a:xfrm>
-            <a:off x="5817804" y="2168133"/>
-            <a:ext cx="1907704" cy="2123658"/>
+            <a:off x="5817804" y="2260466"/>
+            <a:ext cx="1907704" cy="1938992"/>
           </a:xfrm>
           <a:prstGeom prst="rect">
             <a:avLst/>
@@ -7227,7 +7227,7 @@
               <a:t>b</a:t>
             </a:r>
             <a:r>
-              <a:rPr kumimoji="0" lang="ko-KR" altLang="ko-KR" sz="1200" b="0" i="0" u="none" strike="noStrike" cap="none" normalizeH="0" baseline="0" dirty="0">
+              <a:rPr kumimoji="0" lang="ko-KR" altLang="ko-KR" sz="1200" b="0" i="0" u="none" strike="noStrike" cap="none" normalizeH="0" baseline="0" dirty="0" smtClean="0">
                 <a:ln>
                   <a:noFill/>
                 </a:ln>
@@ -7240,6 +7240,20 @@
               </a:rPr>
               <a:t>)</a:t>
             </a:r>
+            <a:r>
+              <a:rPr kumimoji="0" lang="ko-KR" altLang="ko-KR" sz="1200" b="0" i="0" u="none" strike="noStrike" cap="none" normalizeH="0" baseline="0" dirty="0">
+                <a:ln>
+                  <a:noFill/>
+                </a:ln>
+                <a:solidFill>
+                  <a:srgbClr val="A9B7C6"/>
+                </a:solidFill>
+                <a:effectLst/>
+                <a:latin typeface="Courier New" panose="02070309020205020404" pitchFamily="49" charset="0"/>
+                <a:cs typeface="Courier New" panose="02070309020205020404" pitchFamily="49" charset="0"/>
+              </a:rPr>
+              <a:t/>
+            </a:r>
             <a:br>
               <a:rPr kumimoji="0" lang="ko-KR" altLang="ko-KR" sz="1200" b="0" i="0" u="none" strike="noStrike" cap="none" normalizeH="0" baseline="0" dirty="0">
                 <a:ln>
@@ -7310,131 +7324,6 @@
               <a:t> </a:t>
             </a:r>
             <a:r>
-              <a:rPr kumimoji="0" lang="en-US" altLang="ko-KR" sz="1200" b="0" i="0" u="none" strike="noStrike" cap="none" normalizeH="0" baseline="0" dirty="0" smtClean="0">
-                <a:ln>
-                  <a:noFill/>
-                </a:ln>
-                <a:solidFill>
-                  <a:srgbClr val="A9B7C6"/>
-                </a:solidFill>
-                <a:effectLst/>
-                <a:latin typeface="Courier New" panose="02070309020205020404" pitchFamily="49" charset="0"/>
-                <a:cs typeface="Courier New" panose="02070309020205020404" pitchFamily="49" charset="0"/>
-              </a:rPr>
-              <a:t>&gt;</a:t>
-            </a:r>
-            <a:r>
-              <a:rPr kumimoji="0" lang="ko-KR" altLang="ko-KR" sz="1200" b="0" i="0" u="none" strike="noStrike" cap="none" normalizeH="0" baseline="0" dirty="0" smtClean="0">
-                <a:ln>
-                  <a:noFill/>
-                </a:ln>
-                <a:solidFill>
-                  <a:srgbClr val="A9B7C6"/>
-                </a:solidFill>
-                <a:effectLst/>
-                <a:latin typeface="Courier New" panose="02070309020205020404" pitchFamily="49" charset="0"/>
-                <a:cs typeface="Courier New" panose="02070309020205020404" pitchFamily="49" charset="0"/>
-              </a:rPr>
-              <a:t> </a:t>
-            </a:r>
-            <a:r>
-              <a:rPr kumimoji="0" lang="ko-KR" altLang="ko-KR" sz="1200" b="0" i="0" u="none" strike="noStrike" cap="none" normalizeH="0" baseline="0" dirty="0" err="1">
-                <a:ln>
-                  <a:noFill/>
-                </a:ln>
-                <a:solidFill>
-                  <a:srgbClr val="A9B7C6"/>
-                </a:solidFill>
-                <a:effectLst/>
-                <a:latin typeface="Courier New" panose="02070309020205020404" pitchFamily="49" charset="0"/>
-                <a:cs typeface="Courier New" panose="02070309020205020404" pitchFamily="49" charset="0"/>
-              </a:rPr>
-              <a:t>b</a:t>
-            </a:r>
-            <a:r>
-              <a:rPr kumimoji="0" lang="ko-KR" altLang="ko-KR" sz="1200" b="0" i="0" u="none" strike="noStrike" cap="none" normalizeH="0" baseline="0" dirty="0">
-                <a:ln>
-                  <a:noFill/>
-                </a:ln>
-                <a:solidFill>
-                  <a:srgbClr val="A9B7C6"/>
-                </a:solidFill>
-                <a:effectLst/>
-                <a:latin typeface="Courier New" panose="02070309020205020404" pitchFamily="49" charset="0"/>
-                <a:cs typeface="Courier New" panose="02070309020205020404" pitchFamily="49" charset="0"/>
-              </a:rPr>
-              <a:t>)</a:t>
-            </a:r>
-            <a:br>
-              <a:rPr kumimoji="0" lang="ko-KR" altLang="ko-KR" sz="1200" b="0" i="0" u="none" strike="noStrike" cap="none" normalizeH="0" baseline="0" dirty="0">
-                <a:ln>
-                  <a:noFill/>
-                </a:ln>
-                <a:solidFill>
-                  <a:srgbClr val="A9B7C6"/>
-                </a:solidFill>
-                <a:effectLst/>
-                <a:latin typeface="Courier New" panose="02070309020205020404" pitchFamily="49" charset="0"/>
-                <a:cs typeface="Courier New" panose="02070309020205020404" pitchFamily="49" charset="0"/>
-              </a:rPr>
-            </a:br>
-            <a:r>
-              <a:rPr kumimoji="0" lang="ko-KR" altLang="ko-KR" sz="1200" b="0" i="0" u="none" strike="noStrike" cap="none" normalizeH="0" baseline="0" dirty="0" err="1">
-                <a:ln>
-                  <a:noFill/>
-                </a:ln>
-                <a:solidFill>
-                  <a:srgbClr val="A9B7C6"/>
-                </a:solidFill>
-                <a:effectLst/>
-                <a:latin typeface="Courier New" panose="02070309020205020404" pitchFamily="49" charset="0"/>
-                <a:cs typeface="Courier New" panose="02070309020205020404" pitchFamily="49" charset="0"/>
-              </a:rPr>
-              <a:t>print</a:t>
-            </a:r>
-            <a:r>
-              <a:rPr kumimoji="0" lang="ko-KR" altLang="ko-KR" sz="1200" b="0" i="0" u="none" strike="noStrike" cap="none" normalizeH="0" baseline="0" dirty="0">
-                <a:ln>
-                  <a:noFill/>
-                </a:ln>
-                <a:solidFill>
-                  <a:srgbClr val="A9B7C6"/>
-                </a:solidFill>
-                <a:effectLst/>
-                <a:latin typeface="Courier New" panose="02070309020205020404" pitchFamily="49" charset="0"/>
-                <a:cs typeface="Courier New" panose="02070309020205020404" pitchFamily="49" charset="0"/>
-              </a:rPr>
-              <a:t>(</a:t>
-            </a:r>
-            <a:r>
-              <a:rPr kumimoji="0" lang="ko-KR" altLang="ko-KR" sz="1200" b="0" i="0" u="none" strike="noStrike" cap="none" normalizeH="0" baseline="0" dirty="0" err="1">
-                <a:ln>
-                  <a:noFill/>
-                </a:ln>
-                <a:solidFill>
-                  <a:srgbClr val="A9B7C6"/>
-                </a:solidFill>
-                <a:effectLst/>
-                <a:latin typeface="Courier New" panose="02070309020205020404" pitchFamily="49" charset="0"/>
-                <a:cs typeface="Courier New" panose="02070309020205020404" pitchFamily="49" charset="0"/>
-              </a:rPr>
-              <a:t>a</a:t>
-            </a:r>
-            <a:r>
-              <a:rPr kumimoji="0" lang="ko-KR" altLang="ko-KR" sz="1200" b="0" i="0" u="none" strike="noStrike" cap="none" normalizeH="0" baseline="0" dirty="0">
-                <a:ln>
-                  <a:noFill/>
-                </a:ln>
-                <a:solidFill>
-                  <a:srgbClr val="A9B7C6"/>
-                </a:solidFill>
-                <a:effectLst/>
-                <a:latin typeface="Courier New" panose="02070309020205020404" pitchFamily="49" charset="0"/>
-                <a:cs typeface="Courier New" panose="02070309020205020404" pitchFamily="49" charset="0"/>
-              </a:rPr>
-              <a:t> </a:t>
-            </a:r>
-            <a:r>
               <a:rPr lang="en-US" altLang="ko-KR" sz="1200" dirty="0">
                 <a:solidFill>
                   <a:srgbClr val="A9B7C6"/>
@@ -7442,7 +7331,7 @@
                 <a:latin typeface="Courier New" panose="02070309020205020404" pitchFamily="49" charset="0"/>
                 <a:cs typeface="Courier New" panose="02070309020205020404" pitchFamily="49" charset="0"/>
               </a:rPr>
-              <a:t>&gt;</a:t>
+              <a:t>&lt;</a:t>
             </a:r>
             <a:r>
               <a:rPr kumimoji="0" lang="ko-KR" altLang="ko-KR" sz="1200" b="0" i="0" u="none" strike="noStrike" cap="none" normalizeH="0" baseline="0" dirty="0" smtClean="0">
@@ -7702,7 +7591,7 @@
     <mc:Choice Requires="p14">
       <p:transition/>
     </mc:Choice>
-    <mc:Fallback xmlns:dsp="http://schemas.microsoft.com/office/drawing/2008/diagram" xmlns:dgm="http://schemas.openxmlformats.org/drawingml/2006/diagram" xmlns:c="http://schemas.openxmlformats.org/drawingml/2006/chart" xmlns="">
+    <mc:Fallback xmlns="" xmlns:c="http://schemas.openxmlformats.org/drawingml/2006/chart" xmlns:dgm="http://schemas.openxmlformats.org/drawingml/2006/diagram" xmlns:dsp="http://schemas.microsoft.com/office/drawing/2008/diagram">
       <p:transition/>
     </mc:Fallback>
   </mc:AlternateContent>
@@ -7884,7 +7773,7 @@
         <p:spPr>
           <a:xfrm>
             <a:off x="4932040" y="2032646"/>
-            <a:ext cx="2808312" cy="2162724"/>
+            <a:ext cx="3963742" cy="3052538"/>
           </a:xfrm>
           <a:prstGeom prst="rect">
             <a:avLst/>
@@ -7900,7 +7789,7 @@
     <mc:Choice Requires="p14">
       <p:transition/>
     </mc:Choice>
-    <mc:Fallback xmlns="" xmlns:c="http://schemas.openxmlformats.org/drawingml/2006/chart" xmlns:dgm="http://schemas.openxmlformats.org/drawingml/2006/diagram" xmlns:dsp="http://schemas.microsoft.com/office/drawing/2008/diagram">
+    <mc:Fallback xmlns:dsp="http://schemas.microsoft.com/office/drawing/2008/diagram" xmlns:dgm="http://schemas.openxmlformats.org/drawingml/2006/diagram" xmlns:c="http://schemas.openxmlformats.org/drawingml/2006/chart" xmlns="">
       <p:transition/>
     </mc:Fallback>
   </mc:AlternateContent>
@@ -8059,7 +7948,7 @@
     <mc:Choice Requires="p14">
       <p:transition/>
     </mc:Choice>
-    <mc:Fallback xmlns:dsp="http://schemas.microsoft.com/office/drawing/2008/diagram" xmlns:dgm="http://schemas.openxmlformats.org/drawingml/2006/diagram" xmlns:c="http://schemas.openxmlformats.org/drawingml/2006/chart" xmlns="">
+    <mc:Fallback xmlns="" xmlns:c="http://schemas.openxmlformats.org/drawingml/2006/chart" xmlns:dgm="http://schemas.openxmlformats.org/drawingml/2006/diagram" xmlns:dsp="http://schemas.microsoft.com/office/drawing/2008/diagram">
       <p:transition/>
     </mc:Fallback>
   </mc:AlternateContent>
@@ -8251,14 +8140,14 @@
               <a:defRPr/>
             </a:pPr>
             <a:r>
-              <a:rPr lang="ko-KR" altLang="en-US"/>
+              <a:rPr lang="ko-KR" altLang="en-US" dirty="0"/>
               <a:t>미션</a:t>
             </a:r>
             <a:r>
-              <a:rPr lang="en-US" altLang="ko-KR"/>
+              <a:rPr lang="en-US" altLang="ko-KR" dirty="0"/>
               <a:t>!</a:t>
             </a:r>
-            <a:endParaRPr lang="ko-KR" altLang="en-US"/>
+            <a:endParaRPr lang="ko-KR" altLang="en-US" dirty="0"/>
           </a:p>
         </p:txBody>
       </p:sp>
@@ -8521,7 +8410,7 @@
     <mc:Choice Requires="p14">
       <p:transition/>
     </mc:Choice>
-    <mc:Fallback xmlns="" xmlns:c="http://schemas.openxmlformats.org/drawingml/2006/chart" xmlns:dgm="http://schemas.openxmlformats.org/drawingml/2006/diagram" xmlns:dsp="http://schemas.microsoft.com/office/drawing/2008/diagram">
+    <mc:Fallback xmlns:dsp="http://schemas.microsoft.com/office/drawing/2008/diagram" xmlns:dgm="http://schemas.openxmlformats.org/drawingml/2006/diagram" xmlns:c="http://schemas.openxmlformats.org/drawingml/2006/chart" xmlns="">
       <p:transition/>
     </mc:Fallback>
   </mc:AlternateContent>

--- a/textbook/파이썬3-1교시.pptx
+++ b/textbook/파이썬3-1교시.pptx
@@ -270,7 +270,7 @@
           <a:p>
             <a:fld id="{3575F28B-E03B-4F00-AA56-A8AF97DAF43F}" type="datetimeFigureOut">
               <a:rPr lang="ko-KR" altLang="en-US" smtClean="0"/>
-              <a:t>2021-05-09</a:t>
+              <a:t>2021-05-10</a:t>
             </a:fld>
             <a:endParaRPr lang="ko-KR" altLang="en-US"/>
           </a:p>
@@ -512,7 +512,7 @@
           <a:p>
             <a:fld id="{3575F28B-E03B-4F00-AA56-A8AF97DAF43F}" type="datetimeFigureOut">
               <a:rPr lang="ko-KR" altLang="en-US" smtClean="0"/>
-              <a:t>2021-05-09</a:t>
+              <a:t>2021-05-10</a:t>
             </a:fld>
             <a:endParaRPr lang="ko-KR" altLang="en-US"/>
           </a:p>
@@ -696,7 +696,7 @@
           <a:p>
             <a:fld id="{3575F28B-E03B-4F00-AA56-A8AF97DAF43F}" type="datetimeFigureOut">
               <a:rPr lang="ko-KR" altLang="en-US" smtClean="0"/>
-              <a:t>2021-05-09</a:t>
+              <a:t>2021-05-10</a:t>
             </a:fld>
             <a:endParaRPr lang="ko-KR" altLang="en-US"/>
           </a:p>
@@ -897,7 +897,7 @@
           <a:p>
             <a:fld id="{3575F28B-E03B-4F00-AA56-A8AF97DAF43F}" type="datetimeFigureOut">
               <a:rPr lang="ko-KR" altLang="en-US" smtClean="0"/>
-              <a:t>2021-05-09</a:t>
+              <a:t>2021-05-10</a:t>
             </a:fld>
             <a:endParaRPr lang="ko-KR" altLang="en-US"/>
           </a:p>
@@ -1176,7 +1176,7 @@
           <a:p>
             <a:fld id="{3575F28B-E03B-4F00-AA56-A8AF97DAF43F}" type="datetimeFigureOut">
               <a:rPr lang="ko-KR" altLang="en-US" smtClean="0"/>
-              <a:t>2021-05-09</a:t>
+              <a:t>2021-05-10</a:t>
             </a:fld>
             <a:endParaRPr lang="ko-KR" altLang="en-US"/>
           </a:p>
@@ -1444,7 +1444,7 @@
           <a:p>
             <a:fld id="{3575F28B-E03B-4F00-AA56-A8AF97DAF43F}" type="datetimeFigureOut">
               <a:rPr lang="ko-KR" altLang="en-US" smtClean="0"/>
-              <a:t>2021-05-09</a:t>
+              <a:t>2021-05-10</a:t>
             </a:fld>
             <a:endParaRPr lang="ko-KR" altLang="en-US"/>
           </a:p>
@@ -1891,7 +1891,7 @@
           <a:p>
             <a:fld id="{3575F28B-E03B-4F00-AA56-A8AF97DAF43F}" type="datetimeFigureOut">
               <a:rPr lang="ko-KR" altLang="en-US" smtClean="0"/>
-              <a:t>2021-05-09</a:t>
+              <a:t>2021-05-10</a:t>
             </a:fld>
             <a:endParaRPr lang="ko-KR" altLang="en-US"/>
           </a:p>
@@ -2040,7 +2040,7 @@
           <a:p>
             <a:fld id="{3575F28B-E03B-4F00-AA56-A8AF97DAF43F}" type="datetimeFigureOut">
               <a:rPr lang="ko-KR" altLang="en-US" smtClean="0"/>
-              <a:t>2021-05-09</a:t>
+              <a:t>2021-05-10</a:t>
             </a:fld>
             <a:endParaRPr lang="ko-KR" altLang="en-US"/>
           </a:p>
@@ -2135,7 +2135,7 @@
           <a:p>
             <a:fld id="{3575F28B-E03B-4F00-AA56-A8AF97DAF43F}" type="datetimeFigureOut">
               <a:rPr lang="ko-KR" altLang="en-US" smtClean="0"/>
-              <a:t>2021-05-09</a:t>
+              <a:t>2021-05-10</a:t>
             </a:fld>
             <a:endParaRPr lang="ko-KR" altLang="en-US"/>
           </a:p>
@@ -2388,7 +2388,7 @@
           <a:p>
             <a:fld id="{3575F28B-E03B-4F00-AA56-A8AF97DAF43F}" type="datetimeFigureOut">
               <a:rPr lang="ko-KR" altLang="en-US" smtClean="0"/>
-              <a:t>2021-05-09</a:t>
+              <a:t>2021-05-10</a:t>
             </a:fld>
             <a:endParaRPr lang="ko-KR" altLang="en-US"/>
           </a:p>
@@ -2833,7 +2833,7 @@
           <a:p>
             <a:fld id="{3575F28B-E03B-4F00-AA56-A8AF97DAF43F}" type="datetimeFigureOut">
               <a:rPr lang="ko-KR" altLang="en-US" smtClean="0"/>
-              <a:t>2021-05-09</a:t>
+              <a:t>2021-05-10</a:t>
             </a:fld>
             <a:endParaRPr lang="ko-KR" altLang="en-US"/>
           </a:p>
@@ -3197,7 +3197,7 @@
           <a:p>
             <a:fld id="{3575F28B-E03B-4F00-AA56-A8AF97DAF43F}" type="datetimeFigureOut">
               <a:rPr lang="ko-KR" altLang="en-US" smtClean="0"/>
-              <a:t>2021-05-09</a:t>
+              <a:t>2021-05-10</a:t>
             </a:fld>
             <a:endParaRPr lang="ko-KR" altLang="en-US"/>
           </a:p>
@@ -3729,7 +3729,7 @@
     <mc:Choice Requires="p14">
       <p:transition/>
     </mc:Choice>
-    <mc:Fallback xmlns="" xmlns:c="http://schemas.openxmlformats.org/drawingml/2006/chart" xmlns:dgm="http://schemas.openxmlformats.org/drawingml/2006/diagram" xmlns:dsp="http://schemas.microsoft.com/office/drawing/2008/diagram">
+    <mc:Fallback xmlns:dsp="http://schemas.microsoft.com/office/drawing/2008/diagram" xmlns:dgm="http://schemas.openxmlformats.org/drawingml/2006/diagram" xmlns:c="http://schemas.openxmlformats.org/drawingml/2006/chart" xmlns="">
       <p:transition/>
     </mc:Fallback>
   </mc:AlternateContent>
@@ -3791,7 +3791,7 @@
         <p:spPr/>
         <p:txBody>
           <a:bodyPr>
-            <a:normAutofit fontScale="92500"/>
+            <a:normAutofit/>
           </a:bodyPr>
           <a:lstStyle/>
           <a:p>
@@ -3826,31 +3826,6 @@
             <a:r>
               <a:rPr lang="ko-KR" altLang="en-US" dirty="0"/>
               <a:t>조건문의 종류에 대해서 알아보고 학습한다</a:t>
-            </a:r>
-            <a:r>
-              <a:rPr lang="en-US" altLang="ko-KR" dirty="0"/>
-              <a:t>.</a:t>
-            </a:r>
-          </a:p>
-          <a:p>
-            <a:pPr lvl="0">
-              <a:defRPr/>
-            </a:pPr>
-            <a:endParaRPr lang="en-US" altLang="ko-KR" dirty="0"/>
-          </a:p>
-          <a:p>
-            <a:pPr lvl="0">
-              <a:defRPr/>
-            </a:pPr>
-            <a:endParaRPr lang="en-US" altLang="ko-KR" dirty="0"/>
-          </a:p>
-          <a:p>
-            <a:pPr lvl="0">
-              <a:defRPr/>
-            </a:pPr>
-            <a:r>
-              <a:rPr lang="ko-KR" altLang="en-US" dirty="0"/>
-              <a:t>반복문의 종류에 대해서 알아보고 학습한다</a:t>
             </a:r>
             <a:r>
               <a:rPr lang="en-US" altLang="ko-KR" dirty="0"/>
@@ -3874,7 +3849,7 @@
     <mc:Choice Requires="p14">
       <p:transition/>
     </mc:Choice>
-    <mc:Fallback xmlns="" xmlns:c="http://schemas.openxmlformats.org/drawingml/2006/chart" xmlns:dgm="http://schemas.openxmlformats.org/drawingml/2006/diagram" xmlns:dsp="http://schemas.microsoft.com/office/drawing/2008/diagram">
+    <mc:Fallback xmlns:dsp="http://schemas.microsoft.com/office/drawing/2008/diagram" xmlns:dgm="http://schemas.openxmlformats.org/drawingml/2006/diagram" xmlns:c="http://schemas.openxmlformats.org/drawingml/2006/chart" xmlns="">
       <p:transition/>
     </mc:Fallback>
   </mc:AlternateContent>
@@ -4352,7 +4327,7 @@
     <mc:Choice Requires="p14">
       <p:transition/>
     </mc:Choice>
-    <mc:Fallback xmlns:dsp="http://schemas.microsoft.com/office/drawing/2008/diagram" xmlns:dgm="http://schemas.openxmlformats.org/drawingml/2006/diagram" xmlns:c="http://schemas.openxmlformats.org/drawingml/2006/chart" xmlns="">
+    <mc:Fallback xmlns="" xmlns:c="http://schemas.openxmlformats.org/drawingml/2006/chart" xmlns:dgm="http://schemas.openxmlformats.org/drawingml/2006/diagram" xmlns:dsp="http://schemas.microsoft.com/office/drawing/2008/diagram">
       <p:transition/>
     </mc:Fallback>
   </mc:AlternateContent>
@@ -6188,7 +6163,7 @@
     <mc:Choice Requires="p14">
       <p:transition/>
     </mc:Choice>
-    <mc:Fallback xmlns="" xmlns:c="http://schemas.openxmlformats.org/drawingml/2006/chart" xmlns:dgm="http://schemas.openxmlformats.org/drawingml/2006/diagram" xmlns:dsp="http://schemas.microsoft.com/office/drawing/2008/diagram">
+    <mc:Fallback xmlns:dsp="http://schemas.microsoft.com/office/drawing/2008/diagram" xmlns:dgm="http://schemas.openxmlformats.org/drawingml/2006/diagram" xmlns:c="http://schemas.openxmlformats.org/drawingml/2006/chart" xmlns="">
       <p:transition/>
     </mc:Fallback>
   </mc:AlternateContent>
@@ -7591,7 +7566,7 @@
     <mc:Choice Requires="p14">
       <p:transition/>
     </mc:Choice>
-    <mc:Fallback xmlns="" xmlns:c="http://schemas.openxmlformats.org/drawingml/2006/chart" xmlns:dgm="http://schemas.openxmlformats.org/drawingml/2006/diagram" xmlns:dsp="http://schemas.microsoft.com/office/drawing/2008/diagram">
+    <mc:Fallback xmlns:dsp="http://schemas.microsoft.com/office/drawing/2008/diagram" xmlns:dgm="http://schemas.openxmlformats.org/drawingml/2006/diagram" xmlns:c="http://schemas.openxmlformats.org/drawingml/2006/chart" xmlns="">
       <p:transition/>
     </mc:Fallback>
   </mc:AlternateContent>
@@ -7789,7 +7764,7 @@
     <mc:Choice Requires="p14">
       <p:transition/>
     </mc:Choice>
-    <mc:Fallback xmlns:dsp="http://schemas.microsoft.com/office/drawing/2008/diagram" xmlns:dgm="http://schemas.openxmlformats.org/drawingml/2006/diagram" xmlns:c="http://schemas.openxmlformats.org/drawingml/2006/chart" xmlns="">
+    <mc:Fallback xmlns="" xmlns:c="http://schemas.openxmlformats.org/drawingml/2006/chart" xmlns:dgm="http://schemas.openxmlformats.org/drawingml/2006/diagram" xmlns:dsp="http://schemas.microsoft.com/office/drawing/2008/diagram">
       <p:transition/>
     </mc:Fallback>
   </mc:AlternateContent>
@@ -7948,7 +7923,7 @@
     <mc:Choice Requires="p14">
       <p:transition/>
     </mc:Choice>
-    <mc:Fallback xmlns="" xmlns:c="http://schemas.openxmlformats.org/drawingml/2006/chart" xmlns:dgm="http://schemas.openxmlformats.org/drawingml/2006/diagram" xmlns:dsp="http://schemas.microsoft.com/office/drawing/2008/diagram">
+    <mc:Fallback xmlns:dsp="http://schemas.microsoft.com/office/drawing/2008/diagram" xmlns:dgm="http://schemas.openxmlformats.org/drawingml/2006/diagram" xmlns:c="http://schemas.openxmlformats.org/drawingml/2006/chart" xmlns="">
       <p:transition/>
     </mc:Fallback>
   </mc:AlternateContent>
@@ -8410,7 +8385,7 @@
     <mc:Choice Requires="p14">
       <p:transition/>
     </mc:Choice>
-    <mc:Fallback xmlns:dsp="http://schemas.microsoft.com/office/drawing/2008/diagram" xmlns:dgm="http://schemas.openxmlformats.org/drawingml/2006/diagram" xmlns:c="http://schemas.openxmlformats.org/drawingml/2006/chart" xmlns="">
+    <mc:Fallback xmlns="" xmlns:c="http://schemas.openxmlformats.org/drawingml/2006/chart" xmlns:dgm="http://schemas.openxmlformats.org/drawingml/2006/diagram" xmlns:dsp="http://schemas.microsoft.com/office/drawing/2008/diagram">
       <p:transition/>
     </mc:Fallback>
   </mc:AlternateContent>
